--- a/notes/symposium_presentation.pptx
+++ b/notes/symposium_presentation.pptx
@@ -308,7 +308,7 @@
           <a:p>
             <a:fld id="{8BABCBE6-3ACD-49C5-A379-1EDE82F1D024}" type="datetimeFigureOut">
               <a:rPr lang="en-US" smtClean="0"/>
-              <a:t>3/2/2017</a:t>
+              <a:t>3/9/2017</a:t>
             </a:fld>
             <a:endParaRPr lang="en-US"/>
           </a:p>
@@ -583,7 +583,7 @@
           <a:p>
             <a:fld id="{8BABCBE6-3ACD-49C5-A379-1EDE82F1D024}" type="datetimeFigureOut">
               <a:rPr lang="en-US" smtClean="0"/>
-              <a:t>3/2/2017</a:t>
+              <a:t>3/9/2017</a:t>
             </a:fld>
             <a:endParaRPr lang="en-US"/>
           </a:p>
@@ -777,7 +777,7 @@
           <a:p>
             <a:fld id="{8BABCBE6-3ACD-49C5-A379-1EDE82F1D024}" type="datetimeFigureOut">
               <a:rPr lang="en-US" smtClean="0"/>
-              <a:t>3/2/2017</a:t>
+              <a:t>3/9/2017</a:t>
             </a:fld>
             <a:endParaRPr lang="en-US"/>
           </a:p>
@@ -1050,7 +1050,7 @@
           <a:p>
             <a:fld id="{8BABCBE6-3ACD-49C5-A379-1EDE82F1D024}" type="datetimeFigureOut">
               <a:rPr lang="en-US" smtClean="0"/>
-              <a:t>3/2/2017</a:t>
+              <a:t>3/9/2017</a:t>
             </a:fld>
             <a:endParaRPr lang="en-US"/>
           </a:p>
@@ -1391,7 +1391,7 @@
           <a:p>
             <a:fld id="{8BABCBE6-3ACD-49C5-A379-1EDE82F1D024}" type="datetimeFigureOut">
               <a:rPr lang="en-US" smtClean="0"/>
-              <a:t>3/2/2017</a:t>
+              <a:t>3/9/2017</a:t>
             </a:fld>
             <a:endParaRPr lang="en-US"/>
           </a:p>
@@ -2014,7 +2014,7 @@
           <a:p>
             <a:fld id="{8BABCBE6-3ACD-49C5-A379-1EDE82F1D024}" type="datetimeFigureOut">
               <a:rPr lang="en-US" smtClean="0"/>
-              <a:t>3/2/2017</a:t>
+              <a:t>3/9/2017</a:t>
             </a:fld>
             <a:endParaRPr lang="en-US"/>
           </a:p>
@@ -2874,7 +2874,7 @@
           <a:p>
             <a:fld id="{8BABCBE6-3ACD-49C5-A379-1EDE82F1D024}" type="datetimeFigureOut">
               <a:rPr lang="en-US" smtClean="0"/>
-              <a:t>3/2/2017</a:t>
+              <a:t>3/9/2017</a:t>
             </a:fld>
             <a:endParaRPr lang="en-US"/>
           </a:p>
@@ -3044,7 +3044,7 @@
           <a:p>
             <a:fld id="{8BABCBE6-3ACD-49C5-A379-1EDE82F1D024}" type="datetimeFigureOut">
               <a:rPr lang="en-US" smtClean="0"/>
-              <a:t>3/2/2017</a:t>
+              <a:t>3/9/2017</a:t>
             </a:fld>
             <a:endParaRPr lang="en-US"/>
           </a:p>
@@ -3224,7 +3224,7 @@
           <a:p>
             <a:fld id="{8BABCBE6-3ACD-49C5-A379-1EDE82F1D024}" type="datetimeFigureOut">
               <a:rPr lang="en-US" smtClean="0"/>
-              <a:t>3/2/2017</a:t>
+              <a:t>3/9/2017</a:t>
             </a:fld>
             <a:endParaRPr lang="en-US"/>
           </a:p>
@@ -3394,7 +3394,7 @@
           <a:p>
             <a:fld id="{8BABCBE6-3ACD-49C5-A379-1EDE82F1D024}" type="datetimeFigureOut">
               <a:rPr lang="en-US" smtClean="0"/>
-              <a:t>3/2/2017</a:t>
+              <a:t>3/9/2017</a:t>
             </a:fld>
             <a:endParaRPr lang="en-US"/>
           </a:p>
@@ -3641,7 +3641,7 @@
           <a:p>
             <a:fld id="{8BABCBE6-3ACD-49C5-A379-1EDE82F1D024}" type="datetimeFigureOut">
               <a:rPr lang="en-US" smtClean="0"/>
-              <a:t>3/2/2017</a:t>
+              <a:t>3/9/2017</a:t>
             </a:fld>
             <a:endParaRPr lang="en-US"/>
           </a:p>
@@ -3933,7 +3933,7 @@
           <a:p>
             <a:fld id="{8BABCBE6-3ACD-49C5-A379-1EDE82F1D024}" type="datetimeFigureOut">
               <a:rPr lang="en-US" smtClean="0"/>
-              <a:t>3/2/2017</a:t>
+              <a:t>3/9/2017</a:t>
             </a:fld>
             <a:endParaRPr lang="en-US"/>
           </a:p>
@@ -4377,7 +4377,7 @@
           <a:p>
             <a:fld id="{8BABCBE6-3ACD-49C5-A379-1EDE82F1D024}" type="datetimeFigureOut">
               <a:rPr lang="en-US" smtClean="0"/>
-              <a:t>3/2/2017</a:t>
+              <a:t>3/9/2017</a:t>
             </a:fld>
             <a:endParaRPr lang="en-US"/>
           </a:p>
@@ -4495,7 +4495,7 @@
           <a:p>
             <a:fld id="{8BABCBE6-3ACD-49C5-A379-1EDE82F1D024}" type="datetimeFigureOut">
               <a:rPr lang="en-US" smtClean="0"/>
-              <a:t>3/2/2017</a:t>
+              <a:t>3/9/2017</a:t>
             </a:fld>
             <a:endParaRPr lang="en-US"/>
           </a:p>
@@ -4590,7 +4590,7 @@
           <a:p>
             <a:fld id="{8BABCBE6-3ACD-49C5-A379-1EDE82F1D024}" type="datetimeFigureOut">
               <a:rPr lang="en-US" smtClean="0"/>
-              <a:t>3/2/2017</a:t>
+              <a:t>3/9/2017</a:t>
             </a:fld>
             <a:endParaRPr lang="en-US"/>
           </a:p>
@@ -4869,7 +4869,7 @@
           <a:p>
             <a:fld id="{8BABCBE6-3ACD-49C5-A379-1EDE82F1D024}" type="datetimeFigureOut">
               <a:rPr lang="en-US" smtClean="0"/>
-              <a:t>3/2/2017</a:t>
+              <a:t>3/9/2017</a:t>
             </a:fld>
             <a:endParaRPr lang="en-US"/>
           </a:p>
@@ -5144,7 +5144,7 @@
           <a:p>
             <a:fld id="{8BABCBE6-3ACD-49C5-A379-1EDE82F1D024}" type="datetimeFigureOut">
               <a:rPr lang="en-US" smtClean="0"/>
-              <a:t>3/2/2017</a:t>
+              <a:t>3/9/2017</a:t>
             </a:fld>
             <a:endParaRPr lang="en-US"/>
           </a:p>
@@ -5573,7 +5573,7 @@
           <a:p>
             <a:fld id="{8BABCBE6-3ACD-49C5-A379-1EDE82F1D024}" type="datetimeFigureOut">
               <a:rPr lang="en-US" smtClean="0"/>
-              <a:t>3/2/2017</a:t>
+              <a:t>3/9/2017</a:t>
             </a:fld>
             <a:endParaRPr lang="en-US"/>
           </a:p>
@@ -6282,7 +6282,7 @@
           <a:p>
             <a:r>
               <a:rPr lang="en-US" sz="2800" dirty="0"/>
-              <a:t>Extrasolar planets are like, 4 counts.</a:t>
+              <a:t>Extrasolar planets are approximately 4 counts.</a:t>
             </a:r>
           </a:p>
           <a:p>
@@ -6302,7 +6302,6 @@
               <a:rPr lang="en-US" sz="2800" dirty="0"/>
               <a:t>Leads to energy measurements through luminosity, distance, habitable planets.</a:t>
             </a:r>
-            <a:endParaRPr lang="en-US" sz="2800" dirty="0"/>
           </a:p>
         </p:txBody>
       </p:sp>
@@ -6393,7 +6392,6 @@
               <a:rPr lang="en-US" dirty="0"/>
               <a:t> and Questions</a:t>
             </a:r>
-            <a:endParaRPr lang="en-US" dirty="0"/>
           </a:p>
         </p:txBody>
       </p:sp>
@@ -6577,7 +6575,6 @@
               <a:rPr lang="en-US" sz="2800" dirty="0"/>
               <a:t>Using Python, I got to calibrate the pictures taken</a:t>
             </a:r>
-            <a:endParaRPr lang="en-US" sz="2800" dirty="0"/>
           </a:p>
         </p:txBody>
       </p:sp>
@@ -6956,7 +6953,6 @@
               <a:rPr lang="en-US" sz="2400" dirty="0"/>
               <a:t>I used several external packages in python to assist</a:t>
             </a:r>
-            <a:endParaRPr lang="en-US" sz="2400" dirty="0"/>
           </a:p>
         </p:txBody>
       </p:sp>
@@ -7039,26 +7035,6 @@
               <a:rPr lang="en-US" dirty="0"/>
               <a:t>Picture of My Code</a:t>
             </a:r>
-            <a:endParaRPr lang="en-US" dirty="0"/>
-          </a:p>
-        </p:txBody>
-      </p:sp>
-      <p:sp>
-        <p:nvSpPr>
-          <p:cNvPr id="3" name="Content Placeholder 2"/>
-          <p:cNvSpPr>
-            <a:spLocks noGrp="1"/>
-          </p:cNvSpPr>
-          <p:nvPr>
-            <p:ph idx="1"/>
-          </p:nvPr>
-        </p:nvSpPr>
-        <p:spPr/>
-        <p:txBody>
-          <a:bodyPr/>
-          <a:lstStyle/>
-          <a:p>
-            <a:endParaRPr lang="en-US" dirty="0"/>
           </a:p>
         </p:txBody>
       </p:sp>
@@ -7086,6 +7062,36 @@
           <a:xfrm>
             <a:off x="11440502" y="5867950"/>
             <a:ext cx="675298" cy="901523"/>
+          </a:xfrm>
+          <a:prstGeom prst="rect">
+            <a:avLst/>
+          </a:prstGeom>
+        </p:spPr>
+      </p:pic>
+      <p:pic>
+        <p:nvPicPr>
+          <p:cNvPr id="14" name="Picture 13"/>
+          <p:cNvPicPr>
+            <a:picLocks noChangeAspect="1"/>
+          </p:cNvPicPr>
+          <p:nvPr/>
+        </p:nvPicPr>
+        <p:blipFill>
+          <a:blip r:embed="rId3">
+            <a:extLst>
+              <a:ext uri="{28A0092B-C50C-407E-A947-70E740481C1C}">
+                <a14:useLocalDpi xmlns:a14="http://schemas.microsoft.com/office/drawing/2010/main" val="0"/>
+              </a:ext>
+            </a:extLst>
+          </a:blip>
+          <a:stretch>
+            <a:fillRect/>
+          </a:stretch>
+        </p:blipFill>
+        <p:spPr>
+          <a:xfrm>
+            <a:off x="715123" y="1296954"/>
+            <a:ext cx="10658893" cy="5255382"/>
           </a:xfrm>
           <a:prstGeom prst="rect">
             <a:avLst/>
@@ -7157,13 +7163,34 @@
         <p:spPr/>
         <p:txBody>
           <a:bodyPr>
-            <a:normAutofit/>
+            <a:normAutofit fontScale="92500"/>
           </a:bodyPr>
           <a:lstStyle/>
           <a:p>
             <a:r>
               <a:rPr lang="en-US" sz="2800" dirty="0"/>
-              <a:t>explaining the rest of the coding process to audience, different steps of coding</a:t>
+              <a:t>Had to read in every picture’s exposure and brightness count, and devised a way to linearize the pictures to correct them through an equation.</a:t>
+            </a:r>
+          </a:p>
+          <a:p>
+            <a:pPr marL="0" indent="0">
+              <a:buNone/>
+            </a:pPr>
+            <a:endParaRPr lang="en-US" sz="2800" dirty="0"/>
+          </a:p>
+          <a:p>
+            <a:r>
+              <a:rPr lang="en-US" sz="2800" dirty="0"/>
+              <a:t>Tested second, third, and fourth order equations to see which fit the data the most</a:t>
+            </a:r>
+          </a:p>
+          <a:p>
+            <a:endParaRPr lang="en-US" sz="2800" dirty="0"/>
+          </a:p>
+          <a:p>
+            <a:r>
+              <a:rPr lang="en-US" sz="2800" dirty="0"/>
+              <a:t>Devised error plots as well to view where fits diverged</a:t>
             </a:r>
             <a:endParaRPr lang="en-US" sz="2800" dirty="0"/>
           </a:p>
@@ -7248,7 +7275,6 @@
               <a:rPr lang="en-US" dirty="0"/>
               <a:t>Fruits of My Labor</a:t>
             </a:r>
-            <a:endParaRPr lang="en-US" dirty="0"/>
           </a:p>
         </p:txBody>
       </p:sp>
@@ -7289,13 +7315,8 @@
           <a:p>
             <a:r>
               <a:rPr lang="en-US" sz="2800" dirty="0"/>
-              <a:t>Data set got fixed </a:t>
-            </a:r>
-            <a:r>
-              <a:rPr lang="en-US" sz="2800" dirty="0" err="1"/>
-              <a:t>woooOoOOOO</a:t>
-            </a:r>
-            <a:endParaRPr lang="en-US" sz="2800" dirty="0"/>
+              <a:t>Therefore, multiple data sets can be calibrated through this method.</a:t>
+            </a:r>
           </a:p>
         </p:txBody>
       </p:sp>
@@ -7378,57 +7399,6 @@
               <a:rPr lang="en-US" dirty="0"/>
               <a:t>Corrected Data</a:t>
             </a:r>
-            <a:endParaRPr lang="en-US" dirty="0"/>
-          </a:p>
-        </p:txBody>
-      </p:sp>
-      <p:sp>
-        <p:nvSpPr>
-          <p:cNvPr id="3" name="Content Placeholder 2"/>
-          <p:cNvSpPr>
-            <a:spLocks noGrp="1"/>
-          </p:cNvSpPr>
-          <p:nvPr>
-            <p:ph idx="1"/>
-          </p:nvPr>
-        </p:nvSpPr>
-        <p:spPr/>
-        <p:txBody>
-          <a:bodyPr/>
-          <a:lstStyle/>
-          <a:p>
-            <a:r>
-              <a:rPr lang="en-US" dirty="0"/>
-              <a:t>Picture of raw counts and corrected counts</a:t>
-            </a:r>
-          </a:p>
-          <a:p>
-            <a:endParaRPr lang="en-US" dirty="0"/>
-          </a:p>
-          <a:p>
-            <a:r>
-              <a:rPr lang="en-US" dirty="0"/>
-              <a:t>Picture of before picture</a:t>
-            </a:r>
-          </a:p>
-          <a:p>
-            <a:endParaRPr lang="en-US" dirty="0"/>
-          </a:p>
-          <a:p>
-            <a:r>
-              <a:rPr lang="en-US" dirty="0"/>
-              <a:t>Picture of after picture</a:t>
-            </a:r>
-          </a:p>
-          <a:p>
-            <a:endParaRPr lang="en-US" dirty="0"/>
-          </a:p>
-          <a:p>
-            <a:r>
-              <a:rPr lang="en-US" dirty="0"/>
-              <a:t>Did you see a difference? No, not really.</a:t>
-            </a:r>
-            <a:endParaRPr lang="en-US" dirty="0"/>
           </a:p>
         </p:txBody>
       </p:sp>
@@ -7484,14 +7454,162 @@
         </p:blipFill>
         <p:spPr>
           <a:xfrm>
-            <a:off x="380993" y="2528663"/>
-            <a:ext cx="3443662" cy="2561224"/>
+            <a:off x="6818929" y="1362270"/>
+            <a:ext cx="3407422" cy="2534270"/>
           </a:xfrm>
           <a:prstGeom prst="rect">
             <a:avLst/>
           </a:prstGeom>
         </p:spPr>
       </p:pic>
+      <p:pic>
+        <p:nvPicPr>
+          <p:cNvPr id="8" name="Picture 7"/>
+          <p:cNvPicPr>
+            <a:picLocks noChangeAspect="1"/>
+          </p:cNvPicPr>
+          <p:nvPr/>
+        </p:nvPicPr>
+        <p:blipFill>
+          <a:blip r:embed="rId4">
+            <a:extLst>
+              <a:ext uri="{28A0092B-C50C-407E-A947-70E740481C1C}">
+                <a14:useLocalDpi xmlns:a14="http://schemas.microsoft.com/office/drawing/2010/main" val="0"/>
+              </a:ext>
+            </a:extLst>
+          </a:blip>
+          <a:stretch>
+            <a:fillRect/>
+          </a:stretch>
+        </p:blipFill>
+        <p:spPr>
+          <a:xfrm>
+            <a:off x="1538472" y="1676905"/>
+            <a:ext cx="3810000" cy="1905000"/>
+          </a:xfrm>
+          <a:prstGeom prst="rect">
+            <a:avLst/>
+          </a:prstGeom>
+        </p:spPr>
+      </p:pic>
+      <p:pic>
+        <p:nvPicPr>
+          <p:cNvPr id="10" name="Picture 9"/>
+          <p:cNvPicPr>
+            <a:picLocks noChangeAspect="1"/>
+          </p:cNvPicPr>
+          <p:nvPr/>
+        </p:nvPicPr>
+        <p:blipFill>
+          <a:blip r:embed="rId5">
+            <a:extLst>
+              <a:ext uri="{28A0092B-C50C-407E-A947-70E740481C1C}">
+                <a14:useLocalDpi xmlns:a14="http://schemas.microsoft.com/office/drawing/2010/main" val="0"/>
+              </a:ext>
+            </a:extLst>
+          </a:blip>
+          <a:stretch>
+            <a:fillRect/>
+          </a:stretch>
+        </p:blipFill>
+        <p:spPr>
+          <a:xfrm>
+            <a:off x="1538472" y="4413711"/>
+            <a:ext cx="3810000" cy="1905000"/>
+          </a:xfrm>
+          <a:prstGeom prst="rect">
+            <a:avLst/>
+          </a:prstGeom>
+        </p:spPr>
+      </p:pic>
+      <p:pic>
+        <p:nvPicPr>
+          <p:cNvPr id="12" name="Picture 11"/>
+          <p:cNvPicPr>
+            <a:picLocks noChangeAspect="1"/>
+          </p:cNvPicPr>
+          <p:nvPr/>
+        </p:nvPicPr>
+        <p:blipFill>
+          <a:blip r:embed="rId6">
+            <a:extLst>
+              <a:ext uri="{28A0092B-C50C-407E-A947-70E740481C1C}">
+                <a14:useLocalDpi xmlns:a14="http://schemas.microsoft.com/office/drawing/2010/main" val="0"/>
+              </a:ext>
+            </a:extLst>
+          </a:blip>
+          <a:stretch>
+            <a:fillRect/>
+          </a:stretch>
+        </p:blipFill>
+        <p:spPr>
+          <a:xfrm>
+            <a:off x="6818929" y="4100743"/>
+            <a:ext cx="3407422" cy="2534270"/>
+          </a:xfrm>
+          <a:prstGeom prst="rect">
+            <a:avLst/>
+          </a:prstGeom>
+        </p:spPr>
+      </p:pic>
+      <p:sp>
+        <p:nvSpPr>
+          <p:cNvPr id="15" name="TextBox 14"/>
+          <p:cNvSpPr txBox="1"/>
+          <p:nvPr/>
+        </p:nvSpPr>
+        <p:spPr>
+          <a:xfrm>
+            <a:off x="122920" y="2454221"/>
+            <a:ext cx="1595535" cy="461665"/>
+          </a:xfrm>
+          <a:prstGeom prst="rect">
+            <a:avLst/>
+          </a:prstGeom>
+          <a:noFill/>
+        </p:spPr>
+        <p:txBody>
+          <a:bodyPr wrap="square" rtlCol="0">
+            <a:spAutoFit/>
+          </a:bodyPr>
+          <a:lstStyle/>
+          <a:p>
+            <a:r>
+              <a:rPr lang="en-US" sz="2400" dirty="0"/>
+              <a:t>Before:</a:t>
+            </a:r>
+          </a:p>
+        </p:txBody>
+      </p:sp>
+      <p:sp>
+        <p:nvSpPr>
+          <p:cNvPr id="16" name="TextBox 15"/>
+          <p:cNvSpPr txBox="1"/>
+          <p:nvPr/>
+        </p:nvSpPr>
+        <p:spPr>
+          <a:xfrm>
+            <a:off x="131172" y="5135378"/>
+            <a:ext cx="1595535" cy="461665"/>
+          </a:xfrm>
+          <a:prstGeom prst="rect">
+            <a:avLst/>
+          </a:prstGeom>
+          <a:noFill/>
+        </p:spPr>
+        <p:txBody>
+          <a:bodyPr wrap="square" rtlCol="0">
+            <a:spAutoFit/>
+          </a:bodyPr>
+          <a:lstStyle/>
+          <a:p>
+            <a:r>
+              <a:rPr lang="en-US" sz="2400" dirty="0"/>
+              <a:t>After:</a:t>
+            </a:r>
+          </a:p>
+        </p:txBody>
+      </p:sp>
     </p:spTree>
     <p:extLst>
       <p:ext uri="{BB962C8B-B14F-4D97-AF65-F5344CB8AC3E}">

--- a/notes/symposium_presentation.pptx
+++ b/notes/symposium_presentation.pptx
@@ -4,6 +4,9 @@
   <p:sldMasterIdLst>
     <p:sldMasterId id="2147483660" r:id="rId1"/>
   </p:sldMasterIdLst>
+  <p:notesMasterIdLst>
+    <p:notesMasterId r:id="rId13"/>
+  </p:notesMasterIdLst>
   <p:sldIdLst>
     <p:sldId id="256" r:id="rId2"/>
     <p:sldId id="257" r:id="rId3"/>
@@ -122,6 +125,523 @@
 </p:presentation>
 </file>
 
+<file path=ppt/notesMasters/notesMaster1.xml><?xml version="1.0" encoding="utf-8"?>
+<p:notesMaster xmlns:a="http://schemas.openxmlformats.org/drawingml/2006/main" xmlns:r="http://schemas.openxmlformats.org/officeDocument/2006/relationships" xmlns:p="http://schemas.openxmlformats.org/presentationml/2006/main">
+  <p:cSld>
+    <p:bg>
+      <p:bgRef idx="1001">
+        <a:schemeClr val="bg1"/>
+      </p:bgRef>
+    </p:bg>
+    <p:spTree>
+      <p:nvGrpSpPr>
+        <p:cNvPr id="1" name=""/>
+        <p:cNvGrpSpPr/>
+        <p:nvPr/>
+      </p:nvGrpSpPr>
+      <p:grpSpPr>
+        <a:xfrm>
+          <a:off x="0" y="0"/>
+          <a:ext cx="0" cy="0"/>
+          <a:chOff x="0" y="0"/>
+          <a:chExt cx="0" cy="0"/>
+        </a:xfrm>
+      </p:grpSpPr>
+      <p:sp>
+        <p:nvSpPr>
+          <p:cNvPr id="2" name="Header Placeholder 1"/>
+          <p:cNvSpPr>
+            <a:spLocks noGrp="1"/>
+          </p:cNvSpPr>
+          <p:nvPr>
+            <p:ph type="hdr" sz="quarter"/>
+          </p:nvPr>
+        </p:nvSpPr>
+        <p:spPr>
+          <a:xfrm>
+            <a:off x="0" y="0"/>
+            <a:ext cx="2971800" cy="458788"/>
+          </a:xfrm>
+          <a:prstGeom prst="rect">
+            <a:avLst/>
+          </a:prstGeom>
+        </p:spPr>
+        <p:txBody>
+          <a:bodyPr vert="horz" lIns="91440" tIns="45720" rIns="91440" bIns="45720" rtlCol="0"/>
+          <a:lstStyle>
+            <a:lvl1pPr algn="l">
+              <a:defRPr sz="1200"/>
+            </a:lvl1pPr>
+          </a:lstStyle>
+          <a:p>
+            <a:endParaRPr lang="en-US"/>
+          </a:p>
+        </p:txBody>
+      </p:sp>
+      <p:sp>
+        <p:nvSpPr>
+          <p:cNvPr id="3" name="Date Placeholder 2"/>
+          <p:cNvSpPr>
+            <a:spLocks noGrp="1"/>
+          </p:cNvSpPr>
+          <p:nvPr>
+            <p:ph type="dt" idx="1"/>
+          </p:nvPr>
+        </p:nvSpPr>
+        <p:spPr>
+          <a:xfrm>
+            <a:off x="3884613" y="0"/>
+            <a:ext cx="2971800" cy="458788"/>
+          </a:xfrm>
+          <a:prstGeom prst="rect">
+            <a:avLst/>
+          </a:prstGeom>
+        </p:spPr>
+        <p:txBody>
+          <a:bodyPr vert="horz" lIns="91440" tIns="45720" rIns="91440" bIns="45720" rtlCol="0"/>
+          <a:lstStyle>
+            <a:lvl1pPr algn="r">
+              <a:defRPr sz="1200"/>
+            </a:lvl1pPr>
+          </a:lstStyle>
+          <a:p>
+            <a:fld id="{883FA1FC-07BF-4C5A-B004-FC8E020E1387}" type="datetimeFigureOut">
+              <a:rPr lang="en-US" smtClean="0"/>
+              <a:t>3/10/2017</a:t>
+            </a:fld>
+            <a:endParaRPr lang="en-US"/>
+          </a:p>
+        </p:txBody>
+      </p:sp>
+      <p:sp>
+        <p:nvSpPr>
+          <p:cNvPr id="4" name="Slide Image Placeholder 3"/>
+          <p:cNvSpPr>
+            <a:spLocks noGrp="1" noRot="1" noChangeAspect="1"/>
+          </p:cNvSpPr>
+          <p:nvPr>
+            <p:ph type="sldImg" idx="2"/>
+          </p:nvPr>
+        </p:nvSpPr>
+        <p:spPr>
+          <a:xfrm>
+            <a:off x="685800" y="1143000"/>
+            <a:ext cx="5486400" cy="3086100"/>
+          </a:xfrm>
+          <a:prstGeom prst="rect">
+            <a:avLst/>
+          </a:prstGeom>
+          <a:noFill/>
+          <a:ln w="12700">
+            <a:solidFill>
+              <a:prstClr val="black"/>
+            </a:solidFill>
+          </a:ln>
+        </p:spPr>
+        <p:txBody>
+          <a:bodyPr vert="horz" lIns="91440" tIns="45720" rIns="91440" bIns="45720" rtlCol="0" anchor="ctr"/>
+          <a:lstStyle/>
+          <a:p>
+            <a:endParaRPr lang="en-US"/>
+          </a:p>
+        </p:txBody>
+      </p:sp>
+      <p:sp>
+        <p:nvSpPr>
+          <p:cNvPr id="5" name="Notes Placeholder 4"/>
+          <p:cNvSpPr>
+            <a:spLocks noGrp="1"/>
+          </p:cNvSpPr>
+          <p:nvPr>
+            <p:ph type="body" sz="quarter" idx="3"/>
+          </p:nvPr>
+        </p:nvSpPr>
+        <p:spPr>
+          <a:xfrm>
+            <a:off x="685800" y="4400550"/>
+            <a:ext cx="5486400" cy="3600450"/>
+          </a:xfrm>
+          <a:prstGeom prst="rect">
+            <a:avLst/>
+          </a:prstGeom>
+        </p:spPr>
+        <p:txBody>
+          <a:bodyPr vert="horz" lIns="91440" tIns="45720" rIns="91440" bIns="45720" rtlCol="0"/>
+          <a:lstStyle/>
+          <a:p>
+            <a:pPr lvl="0"/>
+            <a:r>
+              <a:rPr lang="en-US"/>
+              <a:t>Edit Master text styles</a:t>
+            </a:r>
+          </a:p>
+          <a:p>
+            <a:pPr lvl="1"/>
+            <a:r>
+              <a:rPr lang="en-US"/>
+              <a:t>Second level</a:t>
+            </a:r>
+          </a:p>
+          <a:p>
+            <a:pPr lvl="2"/>
+            <a:r>
+              <a:rPr lang="en-US"/>
+              <a:t>Third level</a:t>
+            </a:r>
+          </a:p>
+          <a:p>
+            <a:pPr lvl="3"/>
+            <a:r>
+              <a:rPr lang="en-US"/>
+              <a:t>Fourth level</a:t>
+            </a:r>
+          </a:p>
+          <a:p>
+            <a:pPr lvl="4"/>
+            <a:r>
+              <a:rPr lang="en-US"/>
+              <a:t>Fifth level</a:t>
+            </a:r>
+          </a:p>
+        </p:txBody>
+      </p:sp>
+      <p:sp>
+        <p:nvSpPr>
+          <p:cNvPr id="6" name="Footer Placeholder 5"/>
+          <p:cNvSpPr>
+            <a:spLocks noGrp="1"/>
+          </p:cNvSpPr>
+          <p:nvPr>
+            <p:ph type="ftr" sz="quarter" idx="4"/>
+          </p:nvPr>
+        </p:nvSpPr>
+        <p:spPr>
+          <a:xfrm>
+            <a:off x="0" y="8685213"/>
+            <a:ext cx="2971800" cy="458787"/>
+          </a:xfrm>
+          <a:prstGeom prst="rect">
+            <a:avLst/>
+          </a:prstGeom>
+        </p:spPr>
+        <p:txBody>
+          <a:bodyPr vert="horz" lIns="91440" tIns="45720" rIns="91440" bIns="45720" rtlCol="0" anchor="b"/>
+          <a:lstStyle>
+            <a:lvl1pPr algn="l">
+              <a:defRPr sz="1200"/>
+            </a:lvl1pPr>
+          </a:lstStyle>
+          <a:p>
+            <a:endParaRPr lang="en-US"/>
+          </a:p>
+        </p:txBody>
+      </p:sp>
+      <p:sp>
+        <p:nvSpPr>
+          <p:cNvPr id="7" name="Slide Number Placeholder 6"/>
+          <p:cNvSpPr>
+            <a:spLocks noGrp="1"/>
+          </p:cNvSpPr>
+          <p:nvPr>
+            <p:ph type="sldNum" sz="quarter" idx="5"/>
+          </p:nvPr>
+        </p:nvSpPr>
+        <p:spPr>
+          <a:xfrm>
+            <a:off x="3884613" y="8685213"/>
+            <a:ext cx="2971800" cy="458787"/>
+          </a:xfrm>
+          <a:prstGeom prst="rect">
+            <a:avLst/>
+          </a:prstGeom>
+        </p:spPr>
+        <p:txBody>
+          <a:bodyPr vert="horz" lIns="91440" tIns="45720" rIns="91440" bIns="45720" rtlCol="0" anchor="b"/>
+          <a:lstStyle>
+            <a:lvl1pPr algn="r">
+              <a:defRPr sz="1200"/>
+            </a:lvl1pPr>
+          </a:lstStyle>
+          <a:p>
+            <a:fld id="{4098AD75-5538-478F-9BAE-4CE77A05A4D8}" type="slidenum">
+              <a:rPr lang="en-US" smtClean="0"/>
+              <a:t>‹#›</a:t>
+            </a:fld>
+            <a:endParaRPr lang="en-US"/>
+          </a:p>
+        </p:txBody>
+      </p:sp>
+    </p:spTree>
+    <p:extLst>
+      <p:ext uri="{BB962C8B-B14F-4D97-AF65-F5344CB8AC3E}">
+        <p14:creationId xmlns:p14="http://schemas.microsoft.com/office/powerpoint/2010/main" val="3016909622"/>
+      </p:ext>
+    </p:extLst>
+  </p:cSld>
+  <p:clrMap bg1="lt1" tx1="dk1" bg2="lt2" tx2="dk2" accent1="accent1" accent2="accent2" accent3="accent3" accent4="accent4" accent5="accent5" accent6="accent6" hlink="hlink" folHlink="folHlink"/>
+  <p:notesStyle>
+    <a:lvl1pPr marL="0" algn="l" defTabSz="914400" rtl="0" eaLnBrk="1" latinLnBrk="0" hangingPunct="1">
+      <a:defRPr sz="1200" kern="1200">
+        <a:solidFill>
+          <a:schemeClr val="tx1"/>
+        </a:solidFill>
+        <a:latin typeface="+mn-lt"/>
+        <a:ea typeface="+mn-ea"/>
+        <a:cs typeface="+mn-cs"/>
+      </a:defRPr>
+    </a:lvl1pPr>
+    <a:lvl2pPr marL="457200" algn="l" defTabSz="914400" rtl="0" eaLnBrk="1" latinLnBrk="0" hangingPunct="1">
+      <a:defRPr sz="1200" kern="1200">
+        <a:solidFill>
+          <a:schemeClr val="tx1"/>
+        </a:solidFill>
+        <a:latin typeface="+mn-lt"/>
+        <a:ea typeface="+mn-ea"/>
+        <a:cs typeface="+mn-cs"/>
+      </a:defRPr>
+    </a:lvl2pPr>
+    <a:lvl3pPr marL="914400" algn="l" defTabSz="914400" rtl="0" eaLnBrk="1" latinLnBrk="0" hangingPunct="1">
+      <a:defRPr sz="1200" kern="1200">
+        <a:solidFill>
+          <a:schemeClr val="tx1"/>
+        </a:solidFill>
+        <a:latin typeface="+mn-lt"/>
+        <a:ea typeface="+mn-ea"/>
+        <a:cs typeface="+mn-cs"/>
+      </a:defRPr>
+    </a:lvl3pPr>
+    <a:lvl4pPr marL="1371600" algn="l" defTabSz="914400" rtl="0" eaLnBrk="1" latinLnBrk="0" hangingPunct="1">
+      <a:defRPr sz="1200" kern="1200">
+        <a:solidFill>
+          <a:schemeClr val="tx1"/>
+        </a:solidFill>
+        <a:latin typeface="+mn-lt"/>
+        <a:ea typeface="+mn-ea"/>
+        <a:cs typeface="+mn-cs"/>
+      </a:defRPr>
+    </a:lvl4pPr>
+    <a:lvl5pPr marL="1828800" algn="l" defTabSz="914400" rtl="0" eaLnBrk="1" latinLnBrk="0" hangingPunct="1">
+      <a:defRPr sz="1200" kern="1200">
+        <a:solidFill>
+          <a:schemeClr val="tx1"/>
+        </a:solidFill>
+        <a:latin typeface="+mn-lt"/>
+        <a:ea typeface="+mn-ea"/>
+        <a:cs typeface="+mn-cs"/>
+      </a:defRPr>
+    </a:lvl5pPr>
+    <a:lvl6pPr marL="2286000" algn="l" defTabSz="914400" rtl="0" eaLnBrk="1" latinLnBrk="0" hangingPunct="1">
+      <a:defRPr sz="1200" kern="1200">
+        <a:solidFill>
+          <a:schemeClr val="tx1"/>
+        </a:solidFill>
+        <a:latin typeface="+mn-lt"/>
+        <a:ea typeface="+mn-ea"/>
+        <a:cs typeface="+mn-cs"/>
+      </a:defRPr>
+    </a:lvl6pPr>
+    <a:lvl7pPr marL="2743200" algn="l" defTabSz="914400" rtl="0" eaLnBrk="1" latinLnBrk="0" hangingPunct="1">
+      <a:defRPr sz="1200" kern="1200">
+        <a:solidFill>
+          <a:schemeClr val="tx1"/>
+        </a:solidFill>
+        <a:latin typeface="+mn-lt"/>
+        <a:ea typeface="+mn-ea"/>
+        <a:cs typeface="+mn-cs"/>
+      </a:defRPr>
+    </a:lvl7pPr>
+    <a:lvl8pPr marL="3200400" algn="l" defTabSz="914400" rtl="0" eaLnBrk="1" latinLnBrk="0" hangingPunct="1">
+      <a:defRPr sz="1200" kern="1200">
+        <a:solidFill>
+          <a:schemeClr val="tx1"/>
+        </a:solidFill>
+        <a:latin typeface="+mn-lt"/>
+        <a:ea typeface="+mn-ea"/>
+        <a:cs typeface="+mn-cs"/>
+      </a:defRPr>
+    </a:lvl8pPr>
+    <a:lvl9pPr marL="3657600" algn="l" defTabSz="914400" rtl="0" eaLnBrk="1" latinLnBrk="0" hangingPunct="1">
+      <a:defRPr sz="1200" kern="1200">
+        <a:solidFill>
+          <a:schemeClr val="tx1"/>
+        </a:solidFill>
+        <a:latin typeface="+mn-lt"/>
+        <a:ea typeface="+mn-ea"/>
+        <a:cs typeface="+mn-cs"/>
+      </a:defRPr>
+    </a:lvl9pPr>
+  </p:notesStyle>
+</p:notesMaster>
+</file>
+
+<file path=ppt/notesSlides/notesSlide1.xml><?xml version="1.0" encoding="utf-8"?>
+<p:notes xmlns:a="http://schemas.openxmlformats.org/drawingml/2006/main" xmlns:r="http://schemas.openxmlformats.org/officeDocument/2006/relationships" xmlns:p="http://schemas.openxmlformats.org/presentationml/2006/main">
+  <p:cSld>
+    <p:spTree>
+      <p:nvGrpSpPr>
+        <p:cNvPr id="1" name=""/>
+        <p:cNvGrpSpPr/>
+        <p:nvPr/>
+      </p:nvGrpSpPr>
+      <p:grpSpPr>
+        <a:xfrm>
+          <a:off x="0" y="0"/>
+          <a:ext cx="0" cy="0"/>
+          <a:chOff x="0" y="0"/>
+          <a:chExt cx="0" cy="0"/>
+        </a:xfrm>
+      </p:grpSpPr>
+      <p:sp>
+        <p:nvSpPr>
+          <p:cNvPr id="2" name="Slide Image Placeholder 1"/>
+          <p:cNvSpPr>
+            <a:spLocks noGrp="1" noRot="1" noChangeAspect="1"/>
+          </p:cNvSpPr>
+          <p:nvPr>
+            <p:ph type="sldImg"/>
+          </p:nvPr>
+        </p:nvSpPr>
+        <p:spPr/>
+      </p:sp>
+      <p:sp>
+        <p:nvSpPr>
+          <p:cNvPr id="3" name="Notes Placeholder 2"/>
+          <p:cNvSpPr>
+            <a:spLocks noGrp="1"/>
+          </p:cNvSpPr>
+          <p:nvPr>
+            <p:ph type="body" idx="1"/>
+          </p:nvPr>
+        </p:nvSpPr>
+        <p:spPr/>
+        <p:txBody>
+          <a:bodyPr/>
+          <a:lstStyle/>
+          <a:p>
+            <a:endParaRPr lang="en-US" dirty="0"/>
+          </a:p>
+        </p:txBody>
+      </p:sp>
+      <p:sp>
+        <p:nvSpPr>
+          <p:cNvPr id="4" name="Slide Number Placeholder 3"/>
+          <p:cNvSpPr>
+            <a:spLocks noGrp="1"/>
+          </p:cNvSpPr>
+          <p:nvPr>
+            <p:ph type="sldNum" sz="quarter" idx="10"/>
+          </p:nvPr>
+        </p:nvSpPr>
+        <p:spPr/>
+        <p:txBody>
+          <a:bodyPr/>
+          <a:lstStyle/>
+          <a:p>
+            <a:fld id="{4098AD75-5538-478F-9BAE-4CE77A05A4D8}" type="slidenum">
+              <a:rPr lang="en-US" smtClean="0"/>
+              <a:t>1</a:t>
+            </a:fld>
+            <a:endParaRPr lang="en-US"/>
+          </a:p>
+        </p:txBody>
+      </p:sp>
+    </p:spTree>
+    <p:extLst>
+      <p:ext uri="{BB962C8B-B14F-4D97-AF65-F5344CB8AC3E}">
+        <p14:creationId xmlns:p14="http://schemas.microsoft.com/office/powerpoint/2010/main" val="4121962493"/>
+      </p:ext>
+    </p:extLst>
+  </p:cSld>
+  <p:clrMapOvr>
+    <a:masterClrMapping/>
+  </p:clrMapOvr>
+</p:notes>
+</file>
+
+<file path=ppt/notesSlides/notesSlide2.xml><?xml version="1.0" encoding="utf-8"?>
+<p:notes xmlns:a="http://schemas.openxmlformats.org/drawingml/2006/main" xmlns:r="http://schemas.openxmlformats.org/officeDocument/2006/relationships" xmlns:p="http://schemas.openxmlformats.org/presentationml/2006/main">
+  <p:cSld>
+    <p:spTree>
+      <p:nvGrpSpPr>
+        <p:cNvPr id="1" name=""/>
+        <p:cNvGrpSpPr/>
+        <p:nvPr/>
+      </p:nvGrpSpPr>
+      <p:grpSpPr>
+        <a:xfrm>
+          <a:off x="0" y="0"/>
+          <a:ext cx="0" cy="0"/>
+          <a:chOff x="0" y="0"/>
+          <a:chExt cx="0" cy="0"/>
+        </a:xfrm>
+      </p:grpSpPr>
+      <p:sp>
+        <p:nvSpPr>
+          <p:cNvPr id="2" name="Slide Image Placeholder 1"/>
+          <p:cNvSpPr>
+            <a:spLocks noGrp="1" noRot="1" noChangeAspect="1"/>
+          </p:cNvSpPr>
+          <p:nvPr>
+            <p:ph type="sldImg"/>
+          </p:nvPr>
+        </p:nvSpPr>
+        <p:spPr/>
+      </p:sp>
+      <p:sp>
+        <p:nvSpPr>
+          <p:cNvPr id="3" name="Notes Placeholder 2"/>
+          <p:cNvSpPr>
+            <a:spLocks noGrp="1"/>
+          </p:cNvSpPr>
+          <p:nvPr>
+            <p:ph type="body" idx="1"/>
+          </p:nvPr>
+        </p:nvSpPr>
+        <p:spPr/>
+        <p:txBody>
+          <a:bodyPr/>
+          <a:lstStyle/>
+          <a:p>
+            <a:endParaRPr lang="en-US"/>
+          </a:p>
+        </p:txBody>
+      </p:sp>
+      <p:sp>
+        <p:nvSpPr>
+          <p:cNvPr id="4" name="Slide Number Placeholder 3"/>
+          <p:cNvSpPr>
+            <a:spLocks noGrp="1"/>
+          </p:cNvSpPr>
+          <p:nvPr>
+            <p:ph type="sldNum" sz="quarter" idx="10"/>
+          </p:nvPr>
+        </p:nvSpPr>
+        <p:spPr/>
+        <p:txBody>
+          <a:bodyPr/>
+          <a:lstStyle/>
+          <a:p>
+            <a:fld id="{4098AD75-5538-478F-9BAE-4CE77A05A4D8}" type="slidenum">
+              <a:rPr lang="en-US" smtClean="0"/>
+              <a:t>2</a:t>
+            </a:fld>
+            <a:endParaRPr lang="en-US"/>
+          </a:p>
+        </p:txBody>
+      </p:sp>
+    </p:spTree>
+    <p:extLst>
+      <p:ext uri="{BB962C8B-B14F-4D97-AF65-F5344CB8AC3E}">
+        <p14:creationId xmlns:p14="http://schemas.microsoft.com/office/powerpoint/2010/main" val="933331816"/>
+      </p:ext>
+    </p:extLst>
+  </p:cSld>
+  <p:clrMapOvr>
+    <a:masterClrMapping/>
+  </p:clrMapOvr>
+</p:notes>
+</file>
+
 <file path=ppt/slideLayouts/slideLayout1.xml><?xml version="1.0" encoding="utf-8"?>
 <p:sldLayout xmlns:a="http://schemas.openxmlformats.org/drawingml/2006/main" xmlns:r="http://schemas.openxmlformats.org/officeDocument/2006/relationships" xmlns:p="http://schemas.openxmlformats.org/presentationml/2006/main" type="title" preserve="1">
   <p:cSld name="Title Slide">
@@ -308,7 +828,7 @@
           <a:p>
             <a:fld id="{8BABCBE6-3ACD-49C5-A379-1EDE82F1D024}" type="datetimeFigureOut">
               <a:rPr lang="en-US" smtClean="0"/>
-              <a:t>3/9/2017</a:t>
+              <a:t>3/10/2017</a:t>
             </a:fld>
             <a:endParaRPr lang="en-US"/>
           </a:p>
@@ -583,7 +1103,7 @@
           <a:p>
             <a:fld id="{8BABCBE6-3ACD-49C5-A379-1EDE82F1D024}" type="datetimeFigureOut">
               <a:rPr lang="en-US" smtClean="0"/>
-              <a:t>3/9/2017</a:t>
+              <a:t>3/10/2017</a:t>
             </a:fld>
             <a:endParaRPr lang="en-US"/>
           </a:p>
@@ -777,7 +1297,7 @@
           <a:p>
             <a:fld id="{8BABCBE6-3ACD-49C5-A379-1EDE82F1D024}" type="datetimeFigureOut">
               <a:rPr lang="en-US" smtClean="0"/>
-              <a:t>3/9/2017</a:t>
+              <a:t>3/10/2017</a:t>
             </a:fld>
             <a:endParaRPr lang="en-US"/>
           </a:p>
@@ -1050,7 +1570,7 @@
           <a:p>
             <a:fld id="{8BABCBE6-3ACD-49C5-A379-1EDE82F1D024}" type="datetimeFigureOut">
               <a:rPr lang="en-US" smtClean="0"/>
-              <a:t>3/9/2017</a:t>
+              <a:t>3/10/2017</a:t>
             </a:fld>
             <a:endParaRPr lang="en-US"/>
           </a:p>
@@ -1391,7 +1911,7 @@
           <a:p>
             <a:fld id="{8BABCBE6-3ACD-49C5-A379-1EDE82F1D024}" type="datetimeFigureOut">
               <a:rPr lang="en-US" smtClean="0"/>
-              <a:t>3/9/2017</a:t>
+              <a:t>3/10/2017</a:t>
             </a:fld>
             <a:endParaRPr lang="en-US"/>
           </a:p>
@@ -2014,7 +2534,7 @@
           <a:p>
             <a:fld id="{8BABCBE6-3ACD-49C5-A379-1EDE82F1D024}" type="datetimeFigureOut">
               <a:rPr lang="en-US" smtClean="0"/>
-              <a:t>3/9/2017</a:t>
+              <a:t>3/10/2017</a:t>
             </a:fld>
             <a:endParaRPr lang="en-US"/>
           </a:p>
@@ -2874,7 +3394,7 @@
           <a:p>
             <a:fld id="{8BABCBE6-3ACD-49C5-A379-1EDE82F1D024}" type="datetimeFigureOut">
               <a:rPr lang="en-US" smtClean="0"/>
-              <a:t>3/9/2017</a:t>
+              <a:t>3/10/2017</a:t>
             </a:fld>
             <a:endParaRPr lang="en-US"/>
           </a:p>
@@ -3044,7 +3564,7 @@
           <a:p>
             <a:fld id="{8BABCBE6-3ACD-49C5-A379-1EDE82F1D024}" type="datetimeFigureOut">
               <a:rPr lang="en-US" smtClean="0"/>
-              <a:t>3/9/2017</a:t>
+              <a:t>3/10/2017</a:t>
             </a:fld>
             <a:endParaRPr lang="en-US"/>
           </a:p>
@@ -3224,7 +3744,7 @@
           <a:p>
             <a:fld id="{8BABCBE6-3ACD-49C5-A379-1EDE82F1D024}" type="datetimeFigureOut">
               <a:rPr lang="en-US" smtClean="0"/>
-              <a:t>3/9/2017</a:t>
+              <a:t>3/10/2017</a:t>
             </a:fld>
             <a:endParaRPr lang="en-US"/>
           </a:p>
@@ -3394,7 +3914,7 @@
           <a:p>
             <a:fld id="{8BABCBE6-3ACD-49C5-A379-1EDE82F1D024}" type="datetimeFigureOut">
               <a:rPr lang="en-US" smtClean="0"/>
-              <a:t>3/9/2017</a:t>
+              <a:t>3/10/2017</a:t>
             </a:fld>
             <a:endParaRPr lang="en-US"/>
           </a:p>
@@ -3641,7 +4161,7 @@
           <a:p>
             <a:fld id="{8BABCBE6-3ACD-49C5-A379-1EDE82F1D024}" type="datetimeFigureOut">
               <a:rPr lang="en-US" smtClean="0"/>
-              <a:t>3/9/2017</a:t>
+              <a:t>3/10/2017</a:t>
             </a:fld>
             <a:endParaRPr lang="en-US"/>
           </a:p>
@@ -3933,7 +4453,7 @@
           <a:p>
             <a:fld id="{8BABCBE6-3ACD-49C5-A379-1EDE82F1D024}" type="datetimeFigureOut">
               <a:rPr lang="en-US" smtClean="0"/>
-              <a:t>3/9/2017</a:t>
+              <a:t>3/10/2017</a:t>
             </a:fld>
             <a:endParaRPr lang="en-US"/>
           </a:p>
@@ -4377,7 +4897,7 @@
           <a:p>
             <a:fld id="{8BABCBE6-3ACD-49C5-A379-1EDE82F1D024}" type="datetimeFigureOut">
               <a:rPr lang="en-US" smtClean="0"/>
-              <a:t>3/9/2017</a:t>
+              <a:t>3/10/2017</a:t>
             </a:fld>
             <a:endParaRPr lang="en-US"/>
           </a:p>
@@ -4495,7 +5015,7 @@
           <a:p>
             <a:fld id="{8BABCBE6-3ACD-49C5-A379-1EDE82F1D024}" type="datetimeFigureOut">
               <a:rPr lang="en-US" smtClean="0"/>
-              <a:t>3/9/2017</a:t>
+              <a:t>3/10/2017</a:t>
             </a:fld>
             <a:endParaRPr lang="en-US"/>
           </a:p>
@@ -4590,7 +5110,7 @@
           <a:p>
             <a:fld id="{8BABCBE6-3ACD-49C5-A379-1EDE82F1D024}" type="datetimeFigureOut">
               <a:rPr lang="en-US" smtClean="0"/>
-              <a:t>3/9/2017</a:t>
+              <a:t>3/10/2017</a:t>
             </a:fld>
             <a:endParaRPr lang="en-US"/>
           </a:p>
@@ -4869,7 +5389,7 @@
           <a:p>
             <a:fld id="{8BABCBE6-3ACD-49C5-A379-1EDE82F1D024}" type="datetimeFigureOut">
               <a:rPr lang="en-US" smtClean="0"/>
-              <a:t>3/9/2017</a:t>
+              <a:t>3/10/2017</a:t>
             </a:fld>
             <a:endParaRPr lang="en-US"/>
           </a:p>
@@ -5144,7 +5664,7 @@
           <a:p>
             <a:fld id="{8BABCBE6-3ACD-49C5-A379-1EDE82F1D024}" type="datetimeFigureOut">
               <a:rPr lang="en-US" smtClean="0"/>
-              <a:t>3/9/2017</a:t>
+              <a:t>3/10/2017</a:t>
             </a:fld>
             <a:endParaRPr lang="en-US"/>
           </a:p>
@@ -5573,7 +6093,7 @@
           <a:p>
             <a:fld id="{8BABCBE6-3ACD-49C5-A379-1EDE82F1D024}" type="datetimeFigureOut">
               <a:rPr lang="en-US" smtClean="0"/>
-              <a:t>3/9/2017</a:t>
+              <a:t>3/10/2017</a:t>
             </a:fld>
             <a:endParaRPr lang="en-US"/>
           </a:p>
@@ -6190,7 +6710,7 @@
           <p:nvPr/>
         </p:nvPicPr>
         <p:blipFill>
-          <a:blip r:embed="rId2">
+          <a:blip r:embed="rId3">
             <a:extLst>
               <a:ext uri="{28A0092B-C50C-407E-A947-70E740481C1C}">
                 <a14:useLocalDpi xmlns:a14="http://schemas.microsoft.com/office/drawing/2010/main" val="0"/>
@@ -6587,7 +7107,7 @@
           <p:nvPr/>
         </p:nvPicPr>
         <p:blipFill>
-          <a:blip r:embed="rId2">
+          <a:blip r:embed="rId3">
             <a:extLst>
               <a:ext uri="{28A0092B-C50C-407E-A947-70E740481C1C}">
                 <a14:useLocalDpi xmlns:a14="http://schemas.microsoft.com/office/drawing/2010/main" val="0"/>
@@ -6660,28 +7180,6 @@
           </a:p>
         </p:txBody>
       </p:sp>
-      <p:sp>
-        <p:nvSpPr>
-          <p:cNvPr id="3" name="Content Placeholder 2"/>
-          <p:cNvSpPr>
-            <a:spLocks noGrp="1"/>
-          </p:cNvSpPr>
-          <p:nvPr>
-            <p:ph idx="1"/>
-          </p:nvPr>
-        </p:nvSpPr>
-        <p:spPr/>
-        <p:txBody>
-          <a:bodyPr/>
-          <a:lstStyle/>
-          <a:p>
-            <a:r>
-              <a:rPr lang="en-US" dirty="0"/>
-              <a:t>Add a picture here</a:t>
-            </a:r>
-          </a:p>
-        </p:txBody>
-      </p:sp>
       <p:pic>
         <p:nvPicPr>
           <p:cNvPr id="4" name="Picture 3"/>
@@ -6706,6 +7204,286 @@
           <a:xfrm>
             <a:off x="11440502" y="5867950"/>
             <a:ext cx="675298" cy="901523"/>
+          </a:xfrm>
+          <a:prstGeom prst="rect">
+            <a:avLst/>
+          </a:prstGeom>
+        </p:spPr>
+      </p:pic>
+      <p:pic>
+        <p:nvPicPr>
+          <p:cNvPr id="5" name="Picture 1" descr="magao_at_clay_beletsky.jpg"/>
+          <p:cNvPicPr>
+            <a:picLocks noChangeAspect="1"/>
+          </p:cNvPicPr>
+          <p:nvPr/>
+        </p:nvPicPr>
+        <p:blipFill>
+          <a:blip r:embed="rId3" cstate="email">
+            <a:extLst>
+              <a:ext uri="{28A0092B-C50C-407E-A947-70E740481C1C}">
+                <a14:useLocalDpi xmlns:a14="http://schemas.microsoft.com/office/drawing/2010/main"/>
+              </a:ext>
+            </a:extLst>
+          </a:blip>
+          <a:srcRect/>
+          <a:stretch>
+            <a:fillRect/>
+          </a:stretch>
+        </p:blipFill>
+        <p:spPr bwMode="auto">
+          <a:xfrm>
+            <a:off x="223935" y="1479565"/>
+            <a:ext cx="6830008" cy="5289908"/>
+          </a:xfrm>
+          <a:prstGeom prst="rect">
+            <a:avLst/>
+          </a:prstGeom>
+          <a:noFill/>
+          <a:ln>
+            <a:noFill/>
+          </a:ln>
+          <a:extLst>
+            <a:ext uri="{909E8E84-426E-40dd-AFC4-6F175D3DCCD1}">
+              <a14:hiddenFill xmlns="" xmlns:a14="http://schemas.microsoft.com/office/drawing/2010/main">
+                <a:solidFill>
+                  <a:srgbClr val="FFFFFF"/>
+                </a:solidFill>
+              </a14:hiddenFill>
+            </a:ext>
+            <a:ext uri="{91240B29-F687-4f45-9708-019B960494DF}">
+              <a14:hiddenLine xmlns="" xmlns:a14="http://schemas.microsoft.com/office/drawing/2010/main" w="9525">
+                <a:solidFill>
+                  <a:srgbClr val="000000"/>
+                </a:solidFill>
+                <a:miter lim="800000"/>
+                <a:headEnd/>
+                <a:tailEnd/>
+              </a14:hiddenLine>
+            </a:ext>
+          </a:extLst>
+        </p:spPr>
+      </p:pic>
+      <p:sp>
+        <p:nvSpPr>
+          <p:cNvPr id="6" name="TextBox 2"/>
+          <p:cNvSpPr txBox="1">
+            <a:spLocks noChangeArrowheads="1"/>
+          </p:cNvSpPr>
+          <p:nvPr/>
+        </p:nvSpPr>
+        <p:spPr bwMode="auto">
+          <a:xfrm>
+            <a:off x="2108880" y="6431335"/>
+            <a:ext cx="4945063" cy="338138"/>
+          </a:xfrm>
+          <a:prstGeom prst="rect">
+            <a:avLst/>
+          </a:prstGeom>
+          <a:noFill/>
+          <a:ln>
+            <a:noFill/>
+          </a:ln>
+          <a:extLst>
+            <a:ext uri="{909E8E84-426E-40dd-AFC4-6F175D3DCCD1}">
+              <a14:hiddenFill xmlns="" xmlns:a14="http://schemas.microsoft.com/office/drawing/2010/main">
+                <a:solidFill>
+                  <a:srgbClr val="FFFFFF"/>
+                </a:solidFill>
+              </a14:hiddenFill>
+            </a:ext>
+            <a:ext uri="{91240B29-F687-4f45-9708-019B960494DF}">
+              <a14:hiddenLine xmlns="" xmlns:a14="http://schemas.microsoft.com/office/drawing/2010/main" w="9525">
+                <a:solidFill>
+                  <a:srgbClr val="000000"/>
+                </a:solidFill>
+                <a:miter lim="800000"/>
+                <a:headEnd/>
+                <a:tailEnd/>
+              </a14:hiddenLine>
+            </a:ext>
+          </a:extLst>
+        </p:spPr>
+        <p:txBody>
+          <a:bodyPr wrap="none">
+            <a:spAutoFit/>
+          </a:bodyPr>
+          <a:lstStyle>
+            <a:lvl1pPr>
+              <a:defRPr sz="2400">
+                <a:solidFill>
+                  <a:schemeClr val="tx1"/>
+                </a:solidFill>
+                <a:latin typeface="Arial" charset="0"/>
+                <a:ea typeface="ＭＳ Ｐゴシック" charset="0"/>
+                <a:cs typeface="ＭＳ Ｐゴシック" charset="0"/>
+              </a:defRPr>
+            </a:lvl1pPr>
+            <a:lvl2pPr marL="742950" indent="-285750">
+              <a:defRPr sz="2400">
+                <a:solidFill>
+                  <a:schemeClr val="tx1"/>
+                </a:solidFill>
+                <a:latin typeface="Arial" charset="0"/>
+                <a:ea typeface="ＭＳ Ｐゴシック" charset="0"/>
+              </a:defRPr>
+            </a:lvl2pPr>
+            <a:lvl3pPr marL="1143000" indent="-228600">
+              <a:defRPr sz="2400">
+                <a:solidFill>
+                  <a:schemeClr val="tx1"/>
+                </a:solidFill>
+                <a:latin typeface="Arial" charset="0"/>
+                <a:ea typeface="ＭＳ Ｐゴシック" charset="0"/>
+              </a:defRPr>
+            </a:lvl3pPr>
+            <a:lvl4pPr marL="1600200" indent="-228600">
+              <a:defRPr sz="2400">
+                <a:solidFill>
+                  <a:schemeClr val="tx1"/>
+                </a:solidFill>
+                <a:latin typeface="Arial" charset="0"/>
+                <a:ea typeface="ＭＳ Ｐゴシック" charset="0"/>
+              </a:defRPr>
+            </a:lvl4pPr>
+            <a:lvl5pPr marL="2057400" indent="-228600">
+              <a:defRPr sz="2400">
+                <a:solidFill>
+                  <a:schemeClr val="tx1"/>
+                </a:solidFill>
+                <a:latin typeface="Arial" charset="0"/>
+                <a:ea typeface="ＭＳ Ｐゴシック" charset="0"/>
+              </a:defRPr>
+            </a:lvl5pPr>
+            <a:lvl6pPr marL="2514600" indent="-228600" eaLnBrk="0" fontAlgn="base" hangingPunct="0">
+              <a:spcBef>
+                <a:spcPct val="0"/>
+              </a:spcBef>
+              <a:spcAft>
+                <a:spcPct val="0"/>
+              </a:spcAft>
+              <a:defRPr sz="2400">
+                <a:solidFill>
+                  <a:schemeClr val="tx1"/>
+                </a:solidFill>
+                <a:latin typeface="Arial" charset="0"/>
+                <a:ea typeface="ＭＳ Ｐゴシック" charset="0"/>
+              </a:defRPr>
+            </a:lvl6pPr>
+            <a:lvl7pPr marL="2971800" indent="-228600" eaLnBrk="0" fontAlgn="base" hangingPunct="0">
+              <a:spcBef>
+                <a:spcPct val="0"/>
+              </a:spcBef>
+              <a:spcAft>
+                <a:spcPct val="0"/>
+              </a:spcAft>
+              <a:defRPr sz="2400">
+                <a:solidFill>
+                  <a:schemeClr val="tx1"/>
+                </a:solidFill>
+                <a:latin typeface="Arial" charset="0"/>
+                <a:ea typeface="ＭＳ Ｐゴシック" charset="0"/>
+              </a:defRPr>
+            </a:lvl7pPr>
+            <a:lvl8pPr marL="3429000" indent="-228600" eaLnBrk="0" fontAlgn="base" hangingPunct="0">
+              <a:spcBef>
+                <a:spcPct val="0"/>
+              </a:spcBef>
+              <a:spcAft>
+                <a:spcPct val="0"/>
+              </a:spcAft>
+              <a:defRPr sz="2400">
+                <a:solidFill>
+                  <a:schemeClr val="tx1"/>
+                </a:solidFill>
+                <a:latin typeface="Arial" charset="0"/>
+                <a:ea typeface="ＭＳ Ｐゴシック" charset="0"/>
+              </a:defRPr>
+            </a:lvl8pPr>
+            <a:lvl9pPr marL="3886200" indent="-228600" eaLnBrk="0" fontAlgn="base" hangingPunct="0">
+              <a:spcBef>
+                <a:spcPct val="0"/>
+              </a:spcBef>
+              <a:spcAft>
+                <a:spcPct val="0"/>
+              </a:spcAft>
+              <a:defRPr sz="2400">
+                <a:solidFill>
+                  <a:schemeClr val="tx1"/>
+                </a:solidFill>
+                <a:latin typeface="Arial" charset="0"/>
+                <a:ea typeface="ＭＳ Ｐゴシック" charset="0"/>
+              </a:defRPr>
+            </a:lvl9pPr>
+          </a:lstStyle>
+          <a:p>
+            <a:r>
+              <a:rPr lang="en-US" sz="1600" dirty="0">
+                <a:solidFill>
+                  <a:srgbClr val="FFFFFF"/>
+                </a:solidFill>
+              </a:rPr>
+              <a:t>Photo by Yuri </a:t>
+            </a:r>
+            <a:r>
+              <a:rPr lang="en-US" sz="1600" dirty="0" err="1">
+                <a:solidFill>
+                  <a:srgbClr val="FFFFFF"/>
+                </a:solidFill>
+              </a:rPr>
+              <a:t>Beletsky</a:t>
+            </a:r>
+            <a:r>
+              <a:rPr lang="en-US" sz="1600" dirty="0">
+                <a:solidFill>
+                  <a:srgbClr val="FFFFFF"/>
+                </a:solidFill>
+              </a:rPr>
+              <a:t>, Las </a:t>
+            </a:r>
+            <a:r>
+              <a:rPr lang="en-US" sz="1600" dirty="0" err="1">
+                <a:solidFill>
+                  <a:srgbClr val="FFFFFF"/>
+                </a:solidFill>
+              </a:rPr>
+              <a:t>Campanas</a:t>
+            </a:r>
+            <a:r>
+              <a:rPr lang="en-US" sz="1600" dirty="0">
+                <a:solidFill>
+                  <a:srgbClr val="FFFFFF"/>
+                </a:solidFill>
+              </a:rPr>
+              <a:t> Observatory</a:t>
+            </a:r>
+          </a:p>
+        </p:txBody>
+      </p:sp>
+      <p:pic>
+        <p:nvPicPr>
+          <p:cNvPr id="8" name="Picture 7"/>
+          <p:cNvPicPr>
+            <a:picLocks noChangeAspect="1"/>
+          </p:cNvPicPr>
+          <p:nvPr/>
+        </p:nvPicPr>
+        <p:blipFill>
+          <a:blip r:embed="rId4">
+            <a:extLst>
+              <a:ext uri="{28A0092B-C50C-407E-A947-70E740481C1C}">
+                <a14:useLocalDpi xmlns:a14="http://schemas.microsoft.com/office/drawing/2010/main" val="0"/>
+              </a:ext>
+            </a:extLst>
+          </a:blip>
+          <a:stretch>
+            <a:fillRect/>
+          </a:stretch>
+        </p:blipFill>
+        <p:spPr>
+          <a:xfrm>
+            <a:off x="7549012" y="1558600"/>
+            <a:ext cx="3072766" cy="5131837"/>
           </a:xfrm>
           <a:prstGeom prst="rect">
             <a:avLst/>
@@ -7192,7 +7970,6 @@
               <a:rPr lang="en-US" sz="2800" dirty="0"/>
               <a:t>Devised error plots as well to view where fits diverged</a:t>
             </a:r>
-            <a:endParaRPr lang="en-US" sz="2800" dirty="0"/>
           </a:p>
         </p:txBody>
       </p:sp>
@@ -7887,4 +8664,299 @@
     </a:ext>
   </a:extLst>
 </a:theme>
+</file>
+
+<file path=ppt/theme/theme2.xml><?xml version="1.0" encoding="utf-8"?>
+<a:theme xmlns:a="http://schemas.openxmlformats.org/drawingml/2006/main" name="Office Theme">
+  <a:themeElements>
+    <a:clrScheme name="Office">
+      <a:dk1>
+        <a:sysClr val="windowText" lastClr="000000"/>
+      </a:dk1>
+      <a:lt1>
+        <a:sysClr val="window" lastClr="FFFFFF"/>
+      </a:lt1>
+      <a:dk2>
+        <a:srgbClr val="44546A"/>
+      </a:dk2>
+      <a:lt2>
+        <a:srgbClr val="E7E6E6"/>
+      </a:lt2>
+      <a:accent1>
+        <a:srgbClr val="4472C4"/>
+      </a:accent1>
+      <a:accent2>
+        <a:srgbClr val="ED7D31"/>
+      </a:accent2>
+      <a:accent3>
+        <a:srgbClr val="A5A5A5"/>
+      </a:accent3>
+      <a:accent4>
+        <a:srgbClr val="FFC000"/>
+      </a:accent4>
+      <a:accent5>
+        <a:srgbClr val="5B9BD5"/>
+      </a:accent5>
+      <a:accent6>
+        <a:srgbClr val="70AD47"/>
+      </a:accent6>
+      <a:hlink>
+        <a:srgbClr val="0563C1"/>
+      </a:hlink>
+      <a:folHlink>
+        <a:srgbClr val="954F72"/>
+      </a:folHlink>
+    </a:clrScheme>
+    <a:fontScheme name="Office">
+      <a:majorFont>
+        <a:latin typeface="Calibri Light" panose="020F0302020204030204"/>
+        <a:ea typeface=""/>
+        <a:cs typeface=""/>
+        <a:font script="Jpan" typeface="游ゴシック Light"/>
+        <a:font script="Hang" typeface="맑은 고딕"/>
+        <a:font script="Hans" typeface="等线 Light"/>
+        <a:font script="Hant" typeface="新細明體"/>
+        <a:font script="Arab" typeface="Times New Roman"/>
+        <a:font script="Hebr" typeface="Times New Roman"/>
+        <a:font script="Thai" typeface="Angsana New"/>
+        <a:font script="Ethi" typeface="Nyala"/>
+        <a:font script="Beng" typeface="Vrinda"/>
+        <a:font script="Gujr" typeface="Shruti"/>
+        <a:font script="Khmr" typeface="MoolBoran"/>
+        <a:font script="Knda" typeface="Tunga"/>
+        <a:font script="Guru" typeface="Raavi"/>
+        <a:font script="Cans" typeface="Euphemia"/>
+        <a:font script="Cher" typeface="Plantagenet Cherokee"/>
+        <a:font script="Yiii" typeface="Microsoft Yi Baiti"/>
+        <a:font script="Tibt" typeface="Microsoft Himalaya"/>
+        <a:font script="Thaa" typeface="MV Boli"/>
+        <a:font script="Deva" typeface="Mangal"/>
+        <a:font script="Telu" typeface="Gautami"/>
+        <a:font script="Taml" typeface="Latha"/>
+        <a:font script="Syrc" typeface="Estrangelo Edessa"/>
+        <a:font script="Orya" typeface="Kalinga"/>
+        <a:font script="Mlym" typeface="Kartika"/>
+        <a:font script="Laoo" typeface="DokChampa"/>
+        <a:font script="Sinh" typeface="Iskoola Pota"/>
+        <a:font script="Mong" typeface="Mongolian Baiti"/>
+        <a:font script="Viet" typeface="Times New Roman"/>
+        <a:font script="Uigh" typeface="Microsoft Uighur"/>
+        <a:font script="Geor" typeface="Sylfaen"/>
+        <a:font script="Armn" typeface="Arial"/>
+        <a:font script="Bugi" typeface="Leelawadee UI"/>
+        <a:font script="Bopo" typeface="Microsoft JhengHei"/>
+        <a:font script="Java" typeface="Javanese Text"/>
+        <a:font script="Lisu" typeface="Segoe UI"/>
+        <a:font script="Mymr" typeface="Myanmar Text"/>
+        <a:font script="Nkoo" typeface="Ebrima"/>
+        <a:font script="Olck" typeface="Nirmala UI"/>
+        <a:font script="Osma" typeface="Ebrima"/>
+        <a:font script="Phag" typeface="Phagspa"/>
+        <a:font script="Syrn" typeface="Estrangelo Edessa"/>
+        <a:font script="Syrj" typeface="Estrangelo Edessa"/>
+        <a:font script="Syre" typeface="Estrangelo Edessa"/>
+        <a:font script="Sora" typeface="Nirmala UI"/>
+        <a:font script="Tale" typeface="Microsoft Tai Le"/>
+        <a:font script="Talu" typeface="Microsoft New Tai Lue"/>
+        <a:font script="Tfng" typeface="Ebrima"/>
+      </a:majorFont>
+      <a:minorFont>
+        <a:latin typeface="Calibri" panose="020F0502020204030204"/>
+        <a:ea typeface=""/>
+        <a:cs typeface=""/>
+        <a:font script="Jpan" typeface="游ゴシック"/>
+        <a:font script="Hang" typeface="맑은 고딕"/>
+        <a:font script="Hans" typeface="等线"/>
+        <a:font script="Hant" typeface="新細明體"/>
+        <a:font script="Arab" typeface="Arial"/>
+        <a:font script="Hebr" typeface="Arial"/>
+        <a:font script="Thai" typeface="Cordia New"/>
+        <a:font script="Ethi" typeface="Nyala"/>
+        <a:font script="Beng" typeface="Vrinda"/>
+        <a:font script="Gujr" typeface="Shruti"/>
+        <a:font script="Khmr" typeface="DaunPenh"/>
+        <a:font script="Knda" typeface="Tunga"/>
+        <a:font script="Guru" typeface="Raavi"/>
+        <a:font script="Cans" typeface="Euphemia"/>
+        <a:font script="Cher" typeface="Plantagenet Cherokee"/>
+        <a:font script="Yiii" typeface="Microsoft Yi Baiti"/>
+        <a:font script="Tibt" typeface="Microsoft Himalaya"/>
+        <a:font script="Thaa" typeface="MV Boli"/>
+        <a:font script="Deva" typeface="Mangal"/>
+        <a:font script="Telu" typeface="Gautami"/>
+        <a:font script="Taml" typeface="Latha"/>
+        <a:font script="Syrc" typeface="Estrangelo Edessa"/>
+        <a:font script="Orya" typeface="Kalinga"/>
+        <a:font script="Mlym" typeface="Kartika"/>
+        <a:font script="Laoo" typeface="DokChampa"/>
+        <a:font script="Sinh" typeface="Iskoola Pota"/>
+        <a:font script="Mong" typeface="Mongolian Baiti"/>
+        <a:font script="Viet" typeface="Arial"/>
+        <a:font script="Uigh" typeface="Microsoft Uighur"/>
+        <a:font script="Geor" typeface="Sylfaen"/>
+        <a:font script="Armn" typeface="Arial"/>
+        <a:font script="Bugi" typeface="Leelawadee UI"/>
+        <a:font script="Bopo" typeface="Microsoft JhengHei"/>
+        <a:font script="Java" typeface="Javanese Text"/>
+        <a:font script="Lisu" typeface="Segoe UI"/>
+        <a:font script="Mymr" typeface="Myanmar Text"/>
+        <a:font script="Nkoo" typeface="Ebrima"/>
+        <a:font script="Olck" typeface="Nirmala UI"/>
+        <a:font script="Osma" typeface="Ebrima"/>
+        <a:font script="Phag" typeface="Phagspa"/>
+        <a:font script="Syrn" typeface="Estrangelo Edessa"/>
+        <a:font script="Syrj" typeface="Estrangelo Edessa"/>
+        <a:font script="Syre" typeface="Estrangelo Edessa"/>
+        <a:font script="Sora" typeface="Nirmala UI"/>
+        <a:font script="Tale" typeface="Microsoft Tai Le"/>
+        <a:font script="Talu" typeface="Microsoft New Tai Lue"/>
+        <a:font script="Tfng" typeface="Ebrima"/>
+      </a:minorFont>
+    </a:fontScheme>
+    <a:fmtScheme name="Office">
+      <a:fillStyleLst>
+        <a:solidFill>
+          <a:schemeClr val="phClr"/>
+        </a:solidFill>
+        <a:gradFill rotWithShape="1">
+          <a:gsLst>
+            <a:gs pos="0">
+              <a:schemeClr val="phClr">
+                <a:lumMod val="110000"/>
+                <a:satMod val="105000"/>
+                <a:tint val="67000"/>
+              </a:schemeClr>
+            </a:gs>
+            <a:gs pos="50000">
+              <a:schemeClr val="phClr">
+                <a:lumMod val="105000"/>
+                <a:satMod val="103000"/>
+                <a:tint val="73000"/>
+              </a:schemeClr>
+            </a:gs>
+            <a:gs pos="100000">
+              <a:schemeClr val="phClr">
+                <a:lumMod val="105000"/>
+                <a:satMod val="109000"/>
+                <a:tint val="81000"/>
+              </a:schemeClr>
+            </a:gs>
+          </a:gsLst>
+          <a:lin ang="5400000" scaled="0"/>
+        </a:gradFill>
+        <a:gradFill rotWithShape="1">
+          <a:gsLst>
+            <a:gs pos="0">
+              <a:schemeClr val="phClr">
+                <a:satMod val="103000"/>
+                <a:lumMod val="102000"/>
+                <a:tint val="94000"/>
+              </a:schemeClr>
+            </a:gs>
+            <a:gs pos="50000">
+              <a:schemeClr val="phClr">
+                <a:satMod val="110000"/>
+                <a:lumMod val="100000"/>
+                <a:shade val="100000"/>
+              </a:schemeClr>
+            </a:gs>
+            <a:gs pos="100000">
+              <a:schemeClr val="phClr">
+                <a:lumMod val="99000"/>
+                <a:satMod val="120000"/>
+                <a:shade val="78000"/>
+              </a:schemeClr>
+            </a:gs>
+          </a:gsLst>
+          <a:lin ang="5400000" scaled="0"/>
+        </a:gradFill>
+      </a:fillStyleLst>
+      <a:lnStyleLst>
+        <a:ln w="6350" cap="flat" cmpd="sng" algn="ctr">
+          <a:solidFill>
+            <a:schemeClr val="phClr"/>
+          </a:solidFill>
+          <a:prstDash val="solid"/>
+          <a:miter lim="800000"/>
+        </a:ln>
+        <a:ln w="12700" cap="flat" cmpd="sng" algn="ctr">
+          <a:solidFill>
+            <a:schemeClr val="phClr"/>
+          </a:solidFill>
+          <a:prstDash val="solid"/>
+          <a:miter lim="800000"/>
+        </a:ln>
+        <a:ln w="19050" cap="flat" cmpd="sng" algn="ctr">
+          <a:solidFill>
+            <a:schemeClr val="phClr"/>
+          </a:solidFill>
+          <a:prstDash val="solid"/>
+          <a:miter lim="800000"/>
+        </a:ln>
+      </a:lnStyleLst>
+      <a:effectStyleLst>
+        <a:effectStyle>
+          <a:effectLst/>
+        </a:effectStyle>
+        <a:effectStyle>
+          <a:effectLst/>
+        </a:effectStyle>
+        <a:effectStyle>
+          <a:effectLst>
+            <a:outerShdw blurRad="57150" dist="19050" dir="5400000" algn="ctr" rotWithShape="0">
+              <a:srgbClr val="000000">
+                <a:alpha val="63000"/>
+              </a:srgbClr>
+            </a:outerShdw>
+          </a:effectLst>
+        </a:effectStyle>
+      </a:effectStyleLst>
+      <a:bgFillStyleLst>
+        <a:solidFill>
+          <a:schemeClr val="phClr"/>
+        </a:solidFill>
+        <a:solidFill>
+          <a:schemeClr val="phClr">
+            <a:tint val="95000"/>
+            <a:satMod val="170000"/>
+          </a:schemeClr>
+        </a:solidFill>
+        <a:gradFill rotWithShape="1">
+          <a:gsLst>
+            <a:gs pos="0">
+              <a:schemeClr val="phClr">
+                <a:tint val="93000"/>
+                <a:satMod val="150000"/>
+                <a:shade val="98000"/>
+                <a:lumMod val="102000"/>
+              </a:schemeClr>
+            </a:gs>
+            <a:gs pos="50000">
+              <a:schemeClr val="phClr">
+                <a:tint val="98000"/>
+                <a:satMod val="130000"/>
+                <a:shade val="90000"/>
+                <a:lumMod val="103000"/>
+              </a:schemeClr>
+            </a:gs>
+            <a:gs pos="100000">
+              <a:schemeClr val="phClr">
+                <a:shade val="63000"/>
+                <a:satMod val="120000"/>
+              </a:schemeClr>
+            </a:gs>
+          </a:gsLst>
+          <a:lin ang="5400000" scaled="0"/>
+        </a:gradFill>
+      </a:bgFillStyleLst>
+    </a:fmtScheme>
+  </a:themeElements>
+  <a:objectDefaults/>
+  <a:extraClrSchemeLst/>
+  <a:extLst>
+    <a:ext uri="{05A4C25C-085E-4340-85A3-A5531E510DB2}">
+      <thm15:themeFamily xmlns:thm15="http://schemas.microsoft.com/office/thememl/2012/main" name="Office Theme" id="{62F939B6-93AF-4DB8-9C6B-D6C7DFDC589F}" vid="{4A3C46E8-61CC-4603-A589-7422A47A8E4A}"/>
+    </a:ext>
+  </a:extLst>
+</a:theme>
 </file>
--- a/notes/symposium_presentation.pptx
+++ b/notes/symposium_presentation.pptx
@@ -13,12 +13,12 @@
     <p:sldId id="258" r:id="rId4"/>
     <p:sldId id="259" r:id="rId5"/>
     <p:sldId id="260" r:id="rId6"/>
-    <p:sldId id="261" r:id="rId7"/>
-    <p:sldId id="262" r:id="rId8"/>
-    <p:sldId id="263" r:id="rId9"/>
-    <p:sldId id="264" r:id="rId10"/>
-    <p:sldId id="265" r:id="rId11"/>
-    <p:sldId id="266" r:id="rId12"/>
+    <p:sldId id="262" r:id="rId7"/>
+    <p:sldId id="263" r:id="rId8"/>
+    <p:sldId id="264" r:id="rId9"/>
+    <p:sldId id="265" r:id="rId10"/>
+    <p:sldId id="266" r:id="rId11"/>
+    <p:sldId id="267" r:id="rId12"/>
   </p:sldIdLst>
   <p:sldSz cx="12192000" cy="6858000"/>
   <p:notesSz cx="6858000" cy="9144000"/>
@@ -207,7 +207,7 @@
           <a:p>
             <a:fld id="{883FA1FC-07BF-4C5A-B004-FC8E020E1387}" type="datetimeFigureOut">
               <a:rPr lang="en-US" smtClean="0"/>
-              <a:t>3/10/2017</a:t>
+              <a:t>3/22/2017</a:t>
             </a:fld>
             <a:endParaRPr lang="en-US"/>
           </a:p>
@@ -602,7 +602,7 @@
           <a:bodyPr/>
           <a:lstStyle/>
           <a:p>
-            <a:endParaRPr lang="en-US"/>
+            <a:endParaRPr lang="en-US" dirty="0"/>
           </a:p>
         </p:txBody>
       </p:sp>
@@ -633,6 +633,628 @@
     <p:extLst>
       <p:ext uri="{BB962C8B-B14F-4D97-AF65-F5344CB8AC3E}">
         <p14:creationId xmlns:p14="http://schemas.microsoft.com/office/powerpoint/2010/main" val="933331816"/>
+      </p:ext>
+    </p:extLst>
+  </p:cSld>
+  <p:clrMapOvr>
+    <a:masterClrMapping/>
+  </p:clrMapOvr>
+</p:notes>
+</file>
+
+<file path=ppt/notesSlides/notesSlide3.xml><?xml version="1.0" encoding="utf-8"?>
+<p:notes xmlns:a="http://schemas.openxmlformats.org/drawingml/2006/main" xmlns:r="http://schemas.openxmlformats.org/officeDocument/2006/relationships" xmlns:p="http://schemas.openxmlformats.org/presentationml/2006/main">
+  <p:cSld>
+    <p:spTree>
+      <p:nvGrpSpPr>
+        <p:cNvPr id="1" name=""/>
+        <p:cNvGrpSpPr/>
+        <p:nvPr/>
+      </p:nvGrpSpPr>
+      <p:grpSpPr>
+        <a:xfrm>
+          <a:off x="0" y="0"/>
+          <a:ext cx="0" cy="0"/>
+          <a:chOff x="0" y="0"/>
+          <a:chExt cx="0" cy="0"/>
+        </a:xfrm>
+      </p:grpSpPr>
+      <p:sp>
+        <p:nvSpPr>
+          <p:cNvPr id="2" name="Slide Image Placeholder 1"/>
+          <p:cNvSpPr>
+            <a:spLocks noGrp="1" noRot="1" noChangeAspect="1"/>
+          </p:cNvSpPr>
+          <p:nvPr>
+            <p:ph type="sldImg"/>
+          </p:nvPr>
+        </p:nvSpPr>
+        <p:spPr/>
+      </p:sp>
+      <p:sp>
+        <p:nvSpPr>
+          <p:cNvPr id="3" name="Notes Placeholder 2"/>
+          <p:cNvSpPr>
+            <a:spLocks noGrp="1"/>
+          </p:cNvSpPr>
+          <p:nvPr>
+            <p:ph type="body" idx="1"/>
+          </p:nvPr>
+        </p:nvSpPr>
+        <p:spPr/>
+        <p:txBody>
+          <a:bodyPr/>
+          <a:lstStyle/>
+          <a:p>
+            <a:pPr marL="0" marR="0" lvl="0" indent="0" algn="l" defTabSz="914400" rtl="0" eaLnBrk="1" fontAlgn="auto" latinLnBrk="0" hangingPunct="1">
+              <a:lnSpc>
+                <a:spcPct val="100000"/>
+              </a:lnSpc>
+              <a:spcBef>
+                <a:spcPts val="0"/>
+              </a:spcBef>
+              <a:spcAft>
+                <a:spcPts val="0"/>
+              </a:spcAft>
+              <a:buClrTx/>
+              <a:buSzTx/>
+              <a:buFontTx/>
+              <a:buNone/>
+              <a:tabLst/>
+              <a:defRPr/>
+            </a:pPr>
+            <a:endParaRPr lang="en-US" dirty="0"/>
+          </a:p>
+        </p:txBody>
+      </p:sp>
+      <p:sp>
+        <p:nvSpPr>
+          <p:cNvPr id="4" name="Slide Number Placeholder 3"/>
+          <p:cNvSpPr>
+            <a:spLocks noGrp="1"/>
+          </p:cNvSpPr>
+          <p:nvPr>
+            <p:ph type="sldNum" sz="quarter" idx="10"/>
+          </p:nvPr>
+        </p:nvSpPr>
+        <p:spPr/>
+        <p:txBody>
+          <a:bodyPr/>
+          <a:lstStyle/>
+          <a:p>
+            <a:fld id="{4098AD75-5538-478F-9BAE-4CE77A05A4D8}" type="slidenum">
+              <a:rPr lang="en-US" smtClean="0"/>
+              <a:t>3</a:t>
+            </a:fld>
+            <a:endParaRPr lang="en-US"/>
+          </a:p>
+        </p:txBody>
+      </p:sp>
+    </p:spTree>
+    <p:extLst>
+      <p:ext uri="{BB962C8B-B14F-4D97-AF65-F5344CB8AC3E}">
+        <p14:creationId xmlns:p14="http://schemas.microsoft.com/office/powerpoint/2010/main" val="2671384546"/>
+      </p:ext>
+    </p:extLst>
+  </p:cSld>
+  <p:clrMapOvr>
+    <a:masterClrMapping/>
+  </p:clrMapOvr>
+</p:notes>
+</file>
+
+<file path=ppt/notesSlides/notesSlide4.xml><?xml version="1.0" encoding="utf-8"?>
+<p:notes xmlns:a="http://schemas.openxmlformats.org/drawingml/2006/main" xmlns:r="http://schemas.openxmlformats.org/officeDocument/2006/relationships" xmlns:p="http://schemas.openxmlformats.org/presentationml/2006/main">
+  <p:cSld>
+    <p:spTree>
+      <p:nvGrpSpPr>
+        <p:cNvPr id="1" name=""/>
+        <p:cNvGrpSpPr/>
+        <p:nvPr/>
+      </p:nvGrpSpPr>
+      <p:grpSpPr>
+        <a:xfrm>
+          <a:off x="0" y="0"/>
+          <a:ext cx="0" cy="0"/>
+          <a:chOff x="0" y="0"/>
+          <a:chExt cx="0" cy="0"/>
+        </a:xfrm>
+      </p:grpSpPr>
+      <p:sp>
+        <p:nvSpPr>
+          <p:cNvPr id="2" name="Slide Image Placeholder 1"/>
+          <p:cNvSpPr>
+            <a:spLocks noGrp="1" noRot="1" noChangeAspect="1"/>
+          </p:cNvSpPr>
+          <p:nvPr>
+            <p:ph type="sldImg"/>
+          </p:nvPr>
+        </p:nvSpPr>
+        <p:spPr/>
+      </p:sp>
+      <p:sp>
+        <p:nvSpPr>
+          <p:cNvPr id="3" name="Notes Placeholder 2"/>
+          <p:cNvSpPr>
+            <a:spLocks noGrp="1"/>
+          </p:cNvSpPr>
+          <p:nvPr>
+            <p:ph type="body" idx="1"/>
+          </p:nvPr>
+        </p:nvSpPr>
+        <p:spPr/>
+        <p:txBody>
+          <a:bodyPr/>
+          <a:lstStyle/>
+          <a:p>
+            <a:pPr marL="0" marR="0" lvl="0" indent="0" algn="l" defTabSz="914400" rtl="0" eaLnBrk="1" fontAlgn="auto" latinLnBrk="0" hangingPunct="1">
+              <a:lnSpc>
+                <a:spcPct val="100000"/>
+              </a:lnSpc>
+              <a:spcBef>
+                <a:spcPts val="0"/>
+              </a:spcBef>
+              <a:spcAft>
+                <a:spcPts val="0"/>
+              </a:spcAft>
+              <a:buClrTx/>
+              <a:buSzTx/>
+              <a:buFontTx/>
+              <a:buNone/>
+              <a:tabLst/>
+              <a:defRPr/>
+            </a:pPr>
+            <a:endParaRPr lang="en-US" dirty="0"/>
+          </a:p>
+        </p:txBody>
+      </p:sp>
+      <p:sp>
+        <p:nvSpPr>
+          <p:cNvPr id="4" name="Slide Number Placeholder 3"/>
+          <p:cNvSpPr>
+            <a:spLocks noGrp="1"/>
+          </p:cNvSpPr>
+          <p:nvPr>
+            <p:ph type="sldNum" sz="quarter" idx="10"/>
+          </p:nvPr>
+        </p:nvSpPr>
+        <p:spPr/>
+        <p:txBody>
+          <a:bodyPr/>
+          <a:lstStyle/>
+          <a:p>
+            <a:fld id="{4098AD75-5538-478F-9BAE-4CE77A05A4D8}" type="slidenum">
+              <a:rPr lang="en-US" smtClean="0"/>
+              <a:t>4</a:t>
+            </a:fld>
+            <a:endParaRPr lang="en-US"/>
+          </a:p>
+        </p:txBody>
+      </p:sp>
+    </p:spTree>
+    <p:extLst>
+      <p:ext uri="{BB962C8B-B14F-4D97-AF65-F5344CB8AC3E}">
+        <p14:creationId xmlns:p14="http://schemas.microsoft.com/office/powerpoint/2010/main" val="2773917745"/>
+      </p:ext>
+    </p:extLst>
+  </p:cSld>
+  <p:clrMapOvr>
+    <a:masterClrMapping/>
+  </p:clrMapOvr>
+</p:notes>
+</file>
+
+<file path=ppt/notesSlides/notesSlide5.xml><?xml version="1.0" encoding="utf-8"?>
+<p:notes xmlns:a="http://schemas.openxmlformats.org/drawingml/2006/main" xmlns:r="http://schemas.openxmlformats.org/officeDocument/2006/relationships" xmlns:p="http://schemas.openxmlformats.org/presentationml/2006/main">
+  <p:cSld>
+    <p:spTree>
+      <p:nvGrpSpPr>
+        <p:cNvPr id="1" name=""/>
+        <p:cNvGrpSpPr/>
+        <p:nvPr/>
+      </p:nvGrpSpPr>
+      <p:grpSpPr>
+        <a:xfrm>
+          <a:off x="0" y="0"/>
+          <a:ext cx="0" cy="0"/>
+          <a:chOff x="0" y="0"/>
+          <a:chExt cx="0" cy="0"/>
+        </a:xfrm>
+      </p:grpSpPr>
+      <p:sp>
+        <p:nvSpPr>
+          <p:cNvPr id="2" name="Slide Image Placeholder 1"/>
+          <p:cNvSpPr>
+            <a:spLocks noGrp="1" noRot="1" noChangeAspect="1"/>
+          </p:cNvSpPr>
+          <p:nvPr>
+            <p:ph type="sldImg"/>
+          </p:nvPr>
+        </p:nvSpPr>
+        <p:spPr/>
+      </p:sp>
+      <p:sp>
+        <p:nvSpPr>
+          <p:cNvPr id="3" name="Notes Placeholder 2"/>
+          <p:cNvSpPr>
+            <a:spLocks noGrp="1"/>
+          </p:cNvSpPr>
+          <p:nvPr>
+            <p:ph type="body" idx="1"/>
+          </p:nvPr>
+        </p:nvSpPr>
+        <p:spPr/>
+        <p:txBody>
+          <a:bodyPr/>
+          <a:lstStyle/>
+          <a:p>
+            <a:endParaRPr lang="en-US" dirty="0"/>
+          </a:p>
+        </p:txBody>
+      </p:sp>
+      <p:sp>
+        <p:nvSpPr>
+          <p:cNvPr id="4" name="Slide Number Placeholder 3"/>
+          <p:cNvSpPr>
+            <a:spLocks noGrp="1"/>
+          </p:cNvSpPr>
+          <p:nvPr>
+            <p:ph type="sldNum" sz="quarter" idx="10"/>
+          </p:nvPr>
+        </p:nvSpPr>
+        <p:spPr/>
+        <p:txBody>
+          <a:bodyPr/>
+          <a:lstStyle/>
+          <a:p>
+            <a:fld id="{4098AD75-5538-478F-9BAE-4CE77A05A4D8}" type="slidenum">
+              <a:rPr lang="en-US" smtClean="0"/>
+              <a:t>5</a:t>
+            </a:fld>
+            <a:endParaRPr lang="en-US"/>
+          </a:p>
+        </p:txBody>
+      </p:sp>
+    </p:spTree>
+    <p:extLst>
+      <p:ext uri="{BB962C8B-B14F-4D97-AF65-F5344CB8AC3E}">
+        <p14:creationId xmlns:p14="http://schemas.microsoft.com/office/powerpoint/2010/main" val="2699881898"/>
+      </p:ext>
+    </p:extLst>
+  </p:cSld>
+  <p:clrMapOvr>
+    <a:masterClrMapping/>
+  </p:clrMapOvr>
+</p:notes>
+</file>
+
+<file path=ppt/notesSlides/notesSlide6.xml><?xml version="1.0" encoding="utf-8"?>
+<p:notes xmlns:a="http://schemas.openxmlformats.org/drawingml/2006/main" xmlns:r="http://schemas.openxmlformats.org/officeDocument/2006/relationships" xmlns:p="http://schemas.openxmlformats.org/presentationml/2006/main">
+  <p:cSld>
+    <p:spTree>
+      <p:nvGrpSpPr>
+        <p:cNvPr id="1" name=""/>
+        <p:cNvGrpSpPr/>
+        <p:nvPr/>
+      </p:nvGrpSpPr>
+      <p:grpSpPr>
+        <a:xfrm>
+          <a:off x="0" y="0"/>
+          <a:ext cx="0" cy="0"/>
+          <a:chOff x="0" y="0"/>
+          <a:chExt cx="0" cy="0"/>
+        </a:xfrm>
+      </p:grpSpPr>
+      <p:sp>
+        <p:nvSpPr>
+          <p:cNvPr id="2" name="Slide Image Placeholder 1"/>
+          <p:cNvSpPr>
+            <a:spLocks noGrp="1" noRot="1" noChangeAspect="1"/>
+          </p:cNvSpPr>
+          <p:nvPr>
+            <p:ph type="sldImg"/>
+          </p:nvPr>
+        </p:nvSpPr>
+        <p:spPr/>
+      </p:sp>
+      <p:sp>
+        <p:nvSpPr>
+          <p:cNvPr id="3" name="Notes Placeholder 2"/>
+          <p:cNvSpPr>
+            <a:spLocks noGrp="1"/>
+          </p:cNvSpPr>
+          <p:nvPr>
+            <p:ph type="body" idx="1"/>
+          </p:nvPr>
+        </p:nvSpPr>
+        <p:spPr/>
+        <p:txBody>
+          <a:bodyPr/>
+          <a:lstStyle/>
+          <a:p>
+            <a:endParaRPr lang="en-US" dirty="0"/>
+          </a:p>
+        </p:txBody>
+      </p:sp>
+      <p:sp>
+        <p:nvSpPr>
+          <p:cNvPr id="4" name="Slide Number Placeholder 3"/>
+          <p:cNvSpPr>
+            <a:spLocks noGrp="1"/>
+          </p:cNvSpPr>
+          <p:nvPr>
+            <p:ph type="sldNum" sz="quarter" idx="10"/>
+          </p:nvPr>
+        </p:nvSpPr>
+        <p:spPr/>
+        <p:txBody>
+          <a:bodyPr/>
+          <a:lstStyle/>
+          <a:p>
+            <a:fld id="{4098AD75-5538-478F-9BAE-4CE77A05A4D8}" type="slidenum">
+              <a:rPr lang="en-US" smtClean="0"/>
+              <a:t>6</a:t>
+            </a:fld>
+            <a:endParaRPr lang="en-US"/>
+          </a:p>
+        </p:txBody>
+      </p:sp>
+    </p:spTree>
+    <p:extLst>
+      <p:ext uri="{BB962C8B-B14F-4D97-AF65-F5344CB8AC3E}">
+        <p14:creationId xmlns:p14="http://schemas.microsoft.com/office/powerpoint/2010/main" val="234062736"/>
+      </p:ext>
+    </p:extLst>
+  </p:cSld>
+  <p:clrMapOvr>
+    <a:masterClrMapping/>
+  </p:clrMapOvr>
+</p:notes>
+</file>
+
+<file path=ppt/notesSlides/notesSlide7.xml><?xml version="1.0" encoding="utf-8"?>
+<p:notes xmlns:a="http://schemas.openxmlformats.org/drawingml/2006/main" xmlns:r="http://schemas.openxmlformats.org/officeDocument/2006/relationships" xmlns:p="http://schemas.openxmlformats.org/presentationml/2006/main">
+  <p:cSld>
+    <p:spTree>
+      <p:nvGrpSpPr>
+        <p:cNvPr id="1" name=""/>
+        <p:cNvGrpSpPr/>
+        <p:nvPr/>
+      </p:nvGrpSpPr>
+      <p:grpSpPr>
+        <a:xfrm>
+          <a:off x="0" y="0"/>
+          <a:ext cx="0" cy="0"/>
+          <a:chOff x="0" y="0"/>
+          <a:chExt cx="0" cy="0"/>
+        </a:xfrm>
+      </p:grpSpPr>
+      <p:sp>
+        <p:nvSpPr>
+          <p:cNvPr id="2" name="Slide Image Placeholder 1"/>
+          <p:cNvSpPr>
+            <a:spLocks noGrp="1" noRot="1" noChangeAspect="1"/>
+          </p:cNvSpPr>
+          <p:nvPr>
+            <p:ph type="sldImg"/>
+          </p:nvPr>
+        </p:nvSpPr>
+        <p:spPr/>
+      </p:sp>
+      <p:sp>
+        <p:nvSpPr>
+          <p:cNvPr id="3" name="Notes Placeholder 2"/>
+          <p:cNvSpPr>
+            <a:spLocks noGrp="1"/>
+          </p:cNvSpPr>
+          <p:nvPr>
+            <p:ph type="body" idx="1"/>
+          </p:nvPr>
+        </p:nvSpPr>
+        <p:spPr/>
+        <p:txBody>
+          <a:bodyPr/>
+          <a:lstStyle/>
+          <a:p>
+            <a:endParaRPr lang="en-US" dirty="0"/>
+          </a:p>
+        </p:txBody>
+      </p:sp>
+      <p:sp>
+        <p:nvSpPr>
+          <p:cNvPr id="4" name="Slide Number Placeholder 3"/>
+          <p:cNvSpPr>
+            <a:spLocks noGrp="1"/>
+          </p:cNvSpPr>
+          <p:nvPr>
+            <p:ph type="sldNum" sz="quarter" idx="10"/>
+          </p:nvPr>
+        </p:nvSpPr>
+        <p:spPr/>
+        <p:txBody>
+          <a:bodyPr/>
+          <a:lstStyle/>
+          <a:p>
+            <a:fld id="{4098AD75-5538-478F-9BAE-4CE77A05A4D8}" type="slidenum">
+              <a:rPr lang="en-US" smtClean="0"/>
+              <a:t>7</a:t>
+            </a:fld>
+            <a:endParaRPr lang="en-US"/>
+          </a:p>
+        </p:txBody>
+      </p:sp>
+    </p:spTree>
+    <p:extLst>
+      <p:ext uri="{BB962C8B-B14F-4D97-AF65-F5344CB8AC3E}">
+        <p14:creationId xmlns:p14="http://schemas.microsoft.com/office/powerpoint/2010/main" val="1729090341"/>
+      </p:ext>
+    </p:extLst>
+  </p:cSld>
+  <p:clrMapOvr>
+    <a:masterClrMapping/>
+  </p:clrMapOvr>
+</p:notes>
+</file>
+
+<file path=ppt/notesSlides/notesSlide8.xml><?xml version="1.0" encoding="utf-8"?>
+<p:notes xmlns:a="http://schemas.openxmlformats.org/drawingml/2006/main" xmlns:r="http://schemas.openxmlformats.org/officeDocument/2006/relationships" xmlns:p="http://schemas.openxmlformats.org/presentationml/2006/main">
+  <p:cSld>
+    <p:spTree>
+      <p:nvGrpSpPr>
+        <p:cNvPr id="1" name=""/>
+        <p:cNvGrpSpPr/>
+        <p:nvPr/>
+      </p:nvGrpSpPr>
+      <p:grpSpPr>
+        <a:xfrm>
+          <a:off x="0" y="0"/>
+          <a:ext cx="0" cy="0"/>
+          <a:chOff x="0" y="0"/>
+          <a:chExt cx="0" cy="0"/>
+        </a:xfrm>
+      </p:grpSpPr>
+      <p:sp>
+        <p:nvSpPr>
+          <p:cNvPr id="2" name="Slide Image Placeholder 1"/>
+          <p:cNvSpPr>
+            <a:spLocks noGrp="1" noRot="1" noChangeAspect="1"/>
+          </p:cNvSpPr>
+          <p:nvPr>
+            <p:ph type="sldImg"/>
+          </p:nvPr>
+        </p:nvSpPr>
+        <p:spPr/>
+      </p:sp>
+      <p:sp>
+        <p:nvSpPr>
+          <p:cNvPr id="3" name="Notes Placeholder 2"/>
+          <p:cNvSpPr>
+            <a:spLocks noGrp="1"/>
+          </p:cNvSpPr>
+          <p:nvPr>
+            <p:ph type="body" idx="1"/>
+          </p:nvPr>
+        </p:nvSpPr>
+        <p:spPr/>
+        <p:txBody>
+          <a:bodyPr/>
+          <a:lstStyle/>
+          <a:p>
+            <a:endParaRPr lang="en-US" dirty="0"/>
+          </a:p>
+        </p:txBody>
+      </p:sp>
+      <p:sp>
+        <p:nvSpPr>
+          <p:cNvPr id="4" name="Slide Number Placeholder 3"/>
+          <p:cNvSpPr>
+            <a:spLocks noGrp="1"/>
+          </p:cNvSpPr>
+          <p:nvPr>
+            <p:ph type="sldNum" sz="quarter" idx="10"/>
+          </p:nvPr>
+        </p:nvSpPr>
+        <p:spPr/>
+        <p:txBody>
+          <a:bodyPr/>
+          <a:lstStyle/>
+          <a:p>
+            <a:fld id="{4098AD75-5538-478F-9BAE-4CE77A05A4D8}" type="slidenum">
+              <a:rPr lang="en-US" smtClean="0"/>
+              <a:t>8</a:t>
+            </a:fld>
+            <a:endParaRPr lang="en-US"/>
+          </a:p>
+        </p:txBody>
+      </p:sp>
+    </p:spTree>
+    <p:extLst>
+      <p:ext uri="{BB962C8B-B14F-4D97-AF65-F5344CB8AC3E}">
+        <p14:creationId xmlns:p14="http://schemas.microsoft.com/office/powerpoint/2010/main" val="1427669480"/>
+      </p:ext>
+    </p:extLst>
+  </p:cSld>
+  <p:clrMapOvr>
+    <a:masterClrMapping/>
+  </p:clrMapOvr>
+</p:notes>
+</file>
+
+<file path=ppt/notesSlides/notesSlide9.xml><?xml version="1.0" encoding="utf-8"?>
+<p:notes xmlns:a="http://schemas.openxmlformats.org/drawingml/2006/main" xmlns:r="http://schemas.openxmlformats.org/officeDocument/2006/relationships" xmlns:p="http://schemas.openxmlformats.org/presentationml/2006/main">
+  <p:cSld>
+    <p:spTree>
+      <p:nvGrpSpPr>
+        <p:cNvPr id="1" name=""/>
+        <p:cNvGrpSpPr/>
+        <p:nvPr/>
+      </p:nvGrpSpPr>
+      <p:grpSpPr>
+        <a:xfrm>
+          <a:off x="0" y="0"/>
+          <a:ext cx="0" cy="0"/>
+          <a:chOff x="0" y="0"/>
+          <a:chExt cx="0" cy="0"/>
+        </a:xfrm>
+      </p:grpSpPr>
+      <p:sp>
+        <p:nvSpPr>
+          <p:cNvPr id="2" name="Slide Image Placeholder 1"/>
+          <p:cNvSpPr>
+            <a:spLocks noGrp="1" noRot="1" noChangeAspect="1"/>
+          </p:cNvSpPr>
+          <p:nvPr>
+            <p:ph type="sldImg"/>
+          </p:nvPr>
+        </p:nvSpPr>
+        <p:spPr/>
+      </p:sp>
+      <p:sp>
+        <p:nvSpPr>
+          <p:cNvPr id="3" name="Notes Placeholder 2"/>
+          <p:cNvSpPr>
+            <a:spLocks noGrp="1"/>
+          </p:cNvSpPr>
+          <p:nvPr>
+            <p:ph type="body" idx="1"/>
+          </p:nvPr>
+        </p:nvSpPr>
+        <p:spPr/>
+        <p:txBody>
+          <a:bodyPr/>
+          <a:lstStyle/>
+          <a:p>
+            <a:endParaRPr lang="en-US" dirty="0"/>
+          </a:p>
+        </p:txBody>
+      </p:sp>
+      <p:sp>
+        <p:nvSpPr>
+          <p:cNvPr id="4" name="Slide Number Placeholder 3"/>
+          <p:cNvSpPr>
+            <a:spLocks noGrp="1"/>
+          </p:cNvSpPr>
+          <p:nvPr>
+            <p:ph type="sldNum" sz="quarter" idx="10"/>
+          </p:nvPr>
+        </p:nvSpPr>
+        <p:spPr/>
+        <p:txBody>
+          <a:bodyPr/>
+          <a:lstStyle/>
+          <a:p>
+            <a:fld id="{4098AD75-5538-478F-9BAE-4CE77A05A4D8}" type="slidenum">
+              <a:rPr lang="en-US" smtClean="0"/>
+              <a:t>9</a:t>
+            </a:fld>
+            <a:endParaRPr lang="en-US"/>
+          </a:p>
+        </p:txBody>
+      </p:sp>
+    </p:spTree>
+    <p:extLst>
+      <p:ext uri="{BB962C8B-B14F-4D97-AF65-F5344CB8AC3E}">
+        <p14:creationId xmlns:p14="http://schemas.microsoft.com/office/powerpoint/2010/main" val="3769694822"/>
       </p:ext>
     </p:extLst>
   </p:cSld>
@@ -828,7 +1450,7 @@
           <a:p>
             <a:fld id="{8BABCBE6-3ACD-49C5-A379-1EDE82F1D024}" type="datetimeFigureOut">
               <a:rPr lang="en-US" smtClean="0"/>
-              <a:t>3/10/2017</a:t>
+              <a:t>3/22/2017</a:t>
             </a:fld>
             <a:endParaRPr lang="en-US"/>
           </a:p>
@@ -1103,7 +1725,7 @@
           <a:p>
             <a:fld id="{8BABCBE6-3ACD-49C5-A379-1EDE82F1D024}" type="datetimeFigureOut">
               <a:rPr lang="en-US" smtClean="0"/>
-              <a:t>3/10/2017</a:t>
+              <a:t>3/22/2017</a:t>
             </a:fld>
             <a:endParaRPr lang="en-US"/>
           </a:p>
@@ -1297,7 +1919,7 @@
           <a:p>
             <a:fld id="{8BABCBE6-3ACD-49C5-A379-1EDE82F1D024}" type="datetimeFigureOut">
               <a:rPr lang="en-US" smtClean="0"/>
-              <a:t>3/10/2017</a:t>
+              <a:t>3/22/2017</a:t>
             </a:fld>
             <a:endParaRPr lang="en-US"/>
           </a:p>
@@ -1570,7 +2192,7 @@
           <a:p>
             <a:fld id="{8BABCBE6-3ACD-49C5-A379-1EDE82F1D024}" type="datetimeFigureOut">
               <a:rPr lang="en-US" smtClean="0"/>
-              <a:t>3/10/2017</a:t>
+              <a:t>3/22/2017</a:t>
             </a:fld>
             <a:endParaRPr lang="en-US"/>
           </a:p>
@@ -1911,7 +2533,7 @@
           <a:p>
             <a:fld id="{8BABCBE6-3ACD-49C5-A379-1EDE82F1D024}" type="datetimeFigureOut">
               <a:rPr lang="en-US" smtClean="0"/>
-              <a:t>3/10/2017</a:t>
+              <a:t>3/22/2017</a:t>
             </a:fld>
             <a:endParaRPr lang="en-US"/>
           </a:p>
@@ -2534,7 +3156,7 @@
           <a:p>
             <a:fld id="{8BABCBE6-3ACD-49C5-A379-1EDE82F1D024}" type="datetimeFigureOut">
               <a:rPr lang="en-US" smtClean="0"/>
-              <a:t>3/10/2017</a:t>
+              <a:t>3/22/2017</a:t>
             </a:fld>
             <a:endParaRPr lang="en-US"/>
           </a:p>
@@ -3394,7 +4016,7 @@
           <a:p>
             <a:fld id="{8BABCBE6-3ACD-49C5-A379-1EDE82F1D024}" type="datetimeFigureOut">
               <a:rPr lang="en-US" smtClean="0"/>
-              <a:t>3/10/2017</a:t>
+              <a:t>3/22/2017</a:t>
             </a:fld>
             <a:endParaRPr lang="en-US"/>
           </a:p>
@@ -3564,7 +4186,7 @@
           <a:p>
             <a:fld id="{8BABCBE6-3ACD-49C5-A379-1EDE82F1D024}" type="datetimeFigureOut">
               <a:rPr lang="en-US" smtClean="0"/>
-              <a:t>3/10/2017</a:t>
+              <a:t>3/22/2017</a:t>
             </a:fld>
             <a:endParaRPr lang="en-US"/>
           </a:p>
@@ -3744,7 +4366,7 @@
           <a:p>
             <a:fld id="{8BABCBE6-3ACD-49C5-A379-1EDE82F1D024}" type="datetimeFigureOut">
               <a:rPr lang="en-US" smtClean="0"/>
-              <a:t>3/10/2017</a:t>
+              <a:t>3/22/2017</a:t>
             </a:fld>
             <a:endParaRPr lang="en-US"/>
           </a:p>
@@ -3914,7 +4536,7 @@
           <a:p>
             <a:fld id="{8BABCBE6-3ACD-49C5-A379-1EDE82F1D024}" type="datetimeFigureOut">
               <a:rPr lang="en-US" smtClean="0"/>
-              <a:t>3/10/2017</a:t>
+              <a:t>3/22/2017</a:t>
             </a:fld>
             <a:endParaRPr lang="en-US"/>
           </a:p>
@@ -4161,7 +4783,7 @@
           <a:p>
             <a:fld id="{8BABCBE6-3ACD-49C5-A379-1EDE82F1D024}" type="datetimeFigureOut">
               <a:rPr lang="en-US" smtClean="0"/>
-              <a:t>3/10/2017</a:t>
+              <a:t>3/22/2017</a:t>
             </a:fld>
             <a:endParaRPr lang="en-US"/>
           </a:p>
@@ -4453,7 +5075,7 @@
           <a:p>
             <a:fld id="{8BABCBE6-3ACD-49C5-A379-1EDE82F1D024}" type="datetimeFigureOut">
               <a:rPr lang="en-US" smtClean="0"/>
-              <a:t>3/10/2017</a:t>
+              <a:t>3/22/2017</a:t>
             </a:fld>
             <a:endParaRPr lang="en-US"/>
           </a:p>
@@ -4897,7 +5519,7 @@
           <a:p>
             <a:fld id="{8BABCBE6-3ACD-49C5-A379-1EDE82F1D024}" type="datetimeFigureOut">
               <a:rPr lang="en-US" smtClean="0"/>
-              <a:t>3/10/2017</a:t>
+              <a:t>3/22/2017</a:t>
             </a:fld>
             <a:endParaRPr lang="en-US"/>
           </a:p>
@@ -5015,7 +5637,7 @@
           <a:p>
             <a:fld id="{8BABCBE6-3ACD-49C5-A379-1EDE82F1D024}" type="datetimeFigureOut">
               <a:rPr lang="en-US" smtClean="0"/>
-              <a:t>3/10/2017</a:t>
+              <a:t>3/22/2017</a:t>
             </a:fld>
             <a:endParaRPr lang="en-US"/>
           </a:p>
@@ -5110,7 +5732,7 @@
           <a:p>
             <a:fld id="{8BABCBE6-3ACD-49C5-A379-1EDE82F1D024}" type="datetimeFigureOut">
               <a:rPr lang="en-US" smtClean="0"/>
-              <a:t>3/10/2017</a:t>
+              <a:t>3/22/2017</a:t>
             </a:fld>
             <a:endParaRPr lang="en-US"/>
           </a:p>
@@ -5389,7 +6011,7 @@
           <a:p>
             <a:fld id="{8BABCBE6-3ACD-49C5-A379-1EDE82F1D024}" type="datetimeFigureOut">
               <a:rPr lang="en-US" smtClean="0"/>
-              <a:t>3/10/2017</a:t>
+              <a:t>3/22/2017</a:t>
             </a:fld>
             <a:endParaRPr lang="en-US"/>
           </a:p>
@@ -5664,7 +6286,7 @@
           <a:p>
             <a:fld id="{8BABCBE6-3ACD-49C5-A379-1EDE82F1D024}" type="datetimeFigureOut">
               <a:rPr lang="en-US" smtClean="0"/>
-              <a:t>3/10/2017</a:t>
+              <a:t>3/22/2017</a:t>
             </a:fld>
             <a:endParaRPr lang="en-US"/>
           </a:p>
@@ -6093,7 +6715,7 @@
           <a:p>
             <a:fld id="{8BABCBE6-3ACD-49C5-A379-1EDE82F1D024}" type="datetimeFigureOut">
               <a:rPr lang="en-US" smtClean="0"/>
-              <a:t>3/10/2017</a:t>
+              <a:t>3/22/2017</a:t>
             </a:fld>
             <a:endParaRPr lang="en-US"/>
           </a:p>
@@ -6633,8 +7255,8 @@
         </p:nvSpPr>
         <p:spPr>
           <a:xfrm>
-            <a:off x="935880" y="2095499"/>
-            <a:ext cx="8825658" cy="1434106"/>
+            <a:off x="329390" y="1604865"/>
+            <a:ext cx="8825658" cy="2448985"/>
           </a:xfrm>
         </p:spPr>
         <p:txBody>
@@ -6643,18 +7265,21 @@
           <a:p>
             <a:r>
               <a:rPr lang="en-US" dirty="0"/>
-              <a:t>Calibrating Clio</a:t>
+              <a:t>Linearizing the Clio</a:t>
             </a:r>
             <a:br>
               <a:rPr lang="en-US" dirty="0"/>
             </a:br>
             <a:r>
               <a:rPr lang="en-US" dirty="0"/>
-              <a:t> </a:t>
-            </a:r>
+              <a:t>Detector</a:t>
+            </a:r>
+            <a:br>
+              <a:rPr lang="en-US" dirty="0"/>
+            </a:br>
             <a:r>
               <a:rPr lang="en-US" sz="2000" dirty="0"/>
-              <a:t>Or how I needed 4 months to generate 1 graph</a:t>
+              <a:t> Or how I needed 4 months to generate 1 graph</a:t>
             </a:r>
             <a:endParaRPr lang="en-US" dirty="0"/>
           </a:p>
@@ -6778,130 +7403,6 @@
           <a:p>
             <a:r>
               <a:rPr lang="en-US" dirty="0"/>
-              <a:t>Impact on Modern Astronomy</a:t>
-            </a:r>
-          </a:p>
-        </p:txBody>
-      </p:sp>
-      <p:sp>
-        <p:nvSpPr>
-          <p:cNvPr id="3" name="Content Placeholder 2"/>
-          <p:cNvSpPr>
-            <a:spLocks noGrp="1"/>
-          </p:cNvSpPr>
-          <p:nvPr>
-            <p:ph idx="1"/>
-          </p:nvPr>
-        </p:nvSpPr>
-        <p:spPr/>
-        <p:txBody>
-          <a:bodyPr>
-            <a:normAutofit/>
-          </a:bodyPr>
-          <a:lstStyle/>
-          <a:p>
-            <a:r>
-              <a:rPr lang="en-US" sz="2800" dirty="0"/>
-              <a:t>Extrasolar planets are approximately 4 counts.</a:t>
-            </a:r>
-          </a:p>
-          <a:p>
-            <a:endParaRPr lang="en-US" sz="2800" dirty="0"/>
-          </a:p>
-          <a:p>
-            <a:r>
-              <a:rPr lang="en-US" sz="2800" dirty="0"/>
-              <a:t>Can accurately measure the brightness of planets and stars with calibrated data</a:t>
-            </a:r>
-          </a:p>
-          <a:p>
-            <a:endParaRPr lang="en-US" sz="2800" dirty="0"/>
-          </a:p>
-          <a:p>
-            <a:r>
-              <a:rPr lang="en-US" sz="2800" dirty="0"/>
-              <a:t>Leads to energy measurements through luminosity, distance, habitable planets.</a:t>
-            </a:r>
-          </a:p>
-        </p:txBody>
-      </p:sp>
-      <p:pic>
-        <p:nvPicPr>
-          <p:cNvPr id="4" name="Picture 3"/>
-          <p:cNvPicPr>
-            <a:picLocks noChangeAspect="1"/>
-          </p:cNvPicPr>
-          <p:nvPr/>
-        </p:nvPicPr>
-        <p:blipFill>
-          <a:blip r:embed="rId2">
-            <a:extLst>
-              <a:ext uri="{28A0092B-C50C-407E-A947-70E740481C1C}">
-                <a14:useLocalDpi xmlns:a14="http://schemas.microsoft.com/office/drawing/2010/main" val="0"/>
-              </a:ext>
-            </a:extLst>
-          </a:blip>
-          <a:stretch>
-            <a:fillRect/>
-          </a:stretch>
-        </p:blipFill>
-        <p:spPr>
-          <a:xfrm>
-            <a:off x="11440502" y="5867950"/>
-            <a:ext cx="675298" cy="901523"/>
-          </a:xfrm>
-          <a:prstGeom prst="rect">
-            <a:avLst/>
-          </a:prstGeom>
-        </p:spPr>
-      </p:pic>
-    </p:spTree>
-    <p:extLst>
-      <p:ext uri="{BB962C8B-B14F-4D97-AF65-F5344CB8AC3E}">
-        <p14:creationId xmlns:p14="http://schemas.microsoft.com/office/powerpoint/2010/main" val="3219462819"/>
-      </p:ext>
-    </p:extLst>
-  </p:cSld>
-  <p:clrMapOvr>
-    <a:masterClrMapping/>
-  </p:clrMapOvr>
-</p:sld>
-</file>
-
-<file path=ppt/slides/slide11.xml><?xml version="1.0" encoding="utf-8"?>
-<p:sld xmlns:a="http://schemas.openxmlformats.org/drawingml/2006/main" xmlns:r="http://schemas.openxmlformats.org/officeDocument/2006/relationships" xmlns:p="http://schemas.openxmlformats.org/presentationml/2006/main">
-  <p:cSld>
-    <p:spTree>
-      <p:nvGrpSpPr>
-        <p:cNvPr id="1" name=""/>
-        <p:cNvGrpSpPr/>
-        <p:nvPr/>
-      </p:nvGrpSpPr>
-      <p:grpSpPr>
-        <a:xfrm>
-          <a:off x="0" y="0"/>
-          <a:ext cx="0" cy="0"/>
-          <a:chOff x="0" y="0"/>
-          <a:chExt cx="0" cy="0"/>
-        </a:xfrm>
-      </p:grpSpPr>
-      <p:sp>
-        <p:nvSpPr>
-          <p:cNvPr id="2" name="Title 1"/>
-          <p:cNvSpPr>
-            <a:spLocks noGrp="1"/>
-          </p:cNvSpPr>
-          <p:nvPr>
-            <p:ph type="title"/>
-          </p:nvPr>
-        </p:nvSpPr>
-        <p:spPr/>
-        <p:txBody>
-          <a:bodyPr/>
-          <a:lstStyle/>
-          <a:p>
-            <a:r>
-              <a:rPr lang="en-US" dirty="0"/>
               <a:t>Thank </a:t>
             </a:r>
             <a:r>
@@ -7014,6 +7515,80 @@
 </p:sld>
 </file>
 
+<file path=ppt/slides/slide11.xml><?xml version="1.0" encoding="utf-8"?>
+<p:sld xmlns:a="http://schemas.openxmlformats.org/drawingml/2006/main" xmlns:r="http://schemas.openxmlformats.org/officeDocument/2006/relationships" xmlns:p="http://schemas.openxmlformats.org/presentationml/2006/main">
+  <p:cSld>
+    <p:spTree>
+      <p:nvGrpSpPr>
+        <p:cNvPr id="1" name=""/>
+        <p:cNvGrpSpPr/>
+        <p:nvPr/>
+      </p:nvGrpSpPr>
+      <p:grpSpPr>
+        <a:xfrm>
+          <a:off x="0" y="0"/>
+          <a:ext cx="0" cy="0"/>
+          <a:chOff x="0" y="0"/>
+          <a:chExt cx="0" cy="0"/>
+        </a:xfrm>
+      </p:grpSpPr>
+      <p:sp>
+        <p:nvSpPr>
+          <p:cNvPr id="2" name="Title 1"/>
+          <p:cNvSpPr>
+            <a:spLocks noGrp="1"/>
+          </p:cNvSpPr>
+          <p:nvPr>
+            <p:ph type="title"/>
+          </p:nvPr>
+        </p:nvSpPr>
+        <p:spPr/>
+        <p:txBody>
+          <a:bodyPr/>
+          <a:lstStyle/>
+          <a:p>
+            <a:r>
+              <a:rPr lang="en-US" dirty="0"/>
+              <a:t>Reserve Slide</a:t>
+            </a:r>
+          </a:p>
+        </p:txBody>
+      </p:sp>
+      <p:sp>
+        <p:nvSpPr>
+          <p:cNvPr id="3" name="Content Placeholder 2"/>
+          <p:cNvSpPr>
+            <a:spLocks noGrp="1"/>
+          </p:cNvSpPr>
+          <p:nvPr>
+            <p:ph idx="1"/>
+          </p:nvPr>
+        </p:nvSpPr>
+        <p:spPr/>
+        <p:txBody>
+          <a:bodyPr/>
+          <a:lstStyle/>
+          <a:p>
+            <a:r>
+              <a:rPr lang="en-US" dirty="0"/>
+              <a:t>Information that is too complicated for my normal presentation but can come up in questions should go right here.</a:t>
+            </a:r>
+          </a:p>
+        </p:txBody>
+      </p:sp>
+    </p:spTree>
+    <p:extLst>
+      <p:ext uri="{BB962C8B-B14F-4D97-AF65-F5344CB8AC3E}">
+        <p14:creationId xmlns:p14="http://schemas.microsoft.com/office/powerpoint/2010/main" val="2492439108"/>
+      </p:ext>
+    </p:extLst>
+  </p:cSld>
+  <p:clrMapOvr>
+    <a:masterClrMapping/>
+  </p:clrMapOvr>
+</p:sld>
+</file>
+
 <file path=ppt/slides/slide2.xml><?xml version="1.0" encoding="utf-8"?>
 <p:sld xmlns:a="http://schemas.openxmlformats.org/drawingml/2006/main" xmlns:r="http://schemas.openxmlformats.org/officeDocument/2006/relationships" xmlns:p="http://schemas.openxmlformats.org/presentationml/2006/main">
   <p:cSld>
@@ -7072,7 +7647,7 @@
           <a:p>
             <a:r>
               <a:rPr lang="en-US" sz="2800" dirty="0"/>
-              <a:t>Adaptive Optics corrects for disturbances of the atmosphere in astronomical picture taking.</a:t>
+              <a:t>Adaptive optics correct for disturbances of the atmosphere in astronomical picture taking.</a:t>
             </a:r>
           </a:p>
           <a:p>
@@ -7084,7 +7659,7 @@
           <a:p>
             <a:r>
               <a:rPr lang="en-US" sz="2800" dirty="0"/>
-              <a:t>Generally requires a lot of precise coding and instruments</a:t>
+              <a:t>Requires a lot of in-depth coding and precise instruments</a:t>
             </a:r>
           </a:p>
           <a:p>
@@ -7189,7 +7764,7 @@
           <p:nvPr/>
         </p:nvPicPr>
         <p:blipFill>
-          <a:blip r:embed="rId2">
+          <a:blip r:embed="rId3">
             <a:extLst>
               <a:ext uri="{28A0092B-C50C-407E-A947-70E740481C1C}">
                 <a14:useLocalDpi xmlns:a14="http://schemas.microsoft.com/office/drawing/2010/main" val="0"/>
@@ -7219,7 +7794,7 @@
           <p:nvPr/>
         </p:nvPicPr>
         <p:blipFill>
-          <a:blip r:embed="rId3" cstate="email">
+          <a:blip r:embed="rId4" cstate="email">
             <a:extLst>
               <a:ext uri="{28A0092B-C50C-407E-A947-70E740481C1C}">
                 <a14:useLocalDpi xmlns:a14="http://schemas.microsoft.com/office/drawing/2010/main"/>
@@ -7469,7 +8044,7 @@
           <p:nvPr/>
         </p:nvPicPr>
         <p:blipFill>
-          <a:blip r:embed="rId4">
+          <a:blip r:embed="rId5">
             <a:extLst>
               <a:ext uri="{28A0092B-C50C-407E-A947-70E740481C1C}">
                 <a14:useLocalDpi xmlns:a14="http://schemas.microsoft.com/office/drawing/2010/main" val="0"/>
@@ -7537,7 +8112,7 @@
           <a:p>
             <a:r>
               <a:rPr lang="en-US" dirty="0"/>
-              <a:t>What Did I Spend a Year Doing?</a:t>
+              <a:t>How Did I Spend My Year?</a:t>
             </a:r>
           </a:p>
         </p:txBody>
@@ -7573,7 +8148,7 @@
           <a:p>
             <a:r>
               <a:rPr lang="en-US" sz="2800" dirty="0"/>
-              <a:t>First corrected one data set, took coefficients from those, applied them to another data set w/ two stars and voila!</a:t>
+              <a:t>Calibrated one data set, took coefficients from those, applied them to another data set.</a:t>
             </a:r>
           </a:p>
           <a:p>
@@ -7599,7 +8174,7 @@
           <p:nvPr/>
         </p:nvPicPr>
         <p:blipFill>
-          <a:blip r:embed="rId2">
+          <a:blip r:embed="rId3">
             <a:extLst>
               <a:ext uri="{28A0092B-C50C-407E-A947-70E740481C1C}">
                 <a14:useLocalDpi xmlns:a14="http://schemas.microsoft.com/office/drawing/2010/main" val="0"/>
@@ -7743,7 +8318,7 @@
           <p:nvPr/>
         </p:nvPicPr>
         <p:blipFill>
-          <a:blip r:embed="rId2">
+          <a:blip r:embed="rId3">
             <a:extLst>
               <a:ext uri="{28A0092B-C50C-407E-A947-70E740481C1C}">
                 <a14:useLocalDpi xmlns:a14="http://schemas.microsoft.com/office/drawing/2010/main" val="0"/>
@@ -7811,7 +8386,52 @@
           <a:p>
             <a:r>
               <a:rPr lang="en-US" dirty="0"/>
-              <a:t>Picture of My Code</a:t>
+              <a:t>Explanation of Code (All 400 lines!)</a:t>
+            </a:r>
+          </a:p>
+        </p:txBody>
+      </p:sp>
+      <p:sp>
+        <p:nvSpPr>
+          <p:cNvPr id="3" name="Content Placeholder 2"/>
+          <p:cNvSpPr>
+            <a:spLocks noGrp="1"/>
+          </p:cNvSpPr>
+          <p:nvPr>
+            <p:ph idx="1"/>
+          </p:nvPr>
+        </p:nvSpPr>
+        <p:spPr/>
+        <p:txBody>
+          <a:bodyPr>
+            <a:normAutofit fontScale="92500"/>
+          </a:bodyPr>
+          <a:lstStyle/>
+          <a:p>
+            <a:r>
+              <a:rPr lang="en-US" sz="2800" dirty="0"/>
+              <a:t>Had to read in every picture’s exposure and brightness count, and devised a way to linearize the pictures to correct them through an equation.</a:t>
+            </a:r>
+          </a:p>
+          <a:p>
+            <a:pPr marL="0" indent="0">
+              <a:buNone/>
+            </a:pPr>
+            <a:endParaRPr lang="en-US" sz="2800" dirty="0"/>
+          </a:p>
+          <a:p>
+            <a:r>
+              <a:rPr lang="en-US" sz="2800" dirty="0"/>
+              <a:t>Tested second, third, and fourth order equations to see which fit the data the most</a:t>
+            </a:r>
+          </a:p>
+          <a:p>
+            <a:endParaRPr lang="en-US" sz="2800" dirty="0"/>
+          </a:p>
+          <a:p>
+            <a:r>
+              <a:rPr lang="en-US" sz="2800" dirty="0"/>
+              <a:t>Devised error plots as well to view where fits diverged</a:t>
             </a:r>
           </a:p>
         </p:txBody>
@@ -7825,164 +8445,7 @@
           <p:nvPr/>
         </p:nvPicPr>
         <p:blipFill>
-          <a:blip r:embed="rId2">
-            <a:extLst>
-              <a:ext uri="{28A0092B-C50C-407E-A947-70E740481C1C}">
-                <a14:useLocalDpi xmlns:a14="http://schemas.microsoft.com/office/drawing/2010/main" val="0"/>
-              </a:ext>
-            </a:extLst>
-          </a:blip>
-          <a:stretch>
-            <a:fillRect/>
-          </a:stretch>
-        </p:blipFill>
-        <p:spPr>
-          <a:xfrm>
-            <a:off x="11440502" y="5867950"/>
-            <a:ext cx="675298" cy="901523"/>
-          </a:xfrm>
-          <a:prstGeom prst="rect">
-            <a:avLst/>
-          </a:prstGeom>
-        </p:spPr>
-      </p:pic>
-      <p:pic>
-        <p:nvPicPr>
-          <p:cNvPr id="14" name="Picture 13"/>
-          <p:cNvPicPr>
-            <a:picLocks noChangeAspect="1"/>
-          </p:cNvPicPr>
-          <p:nvPr/>
-        </p:nvPicPr>
-        <p:blipFill>
           <a:blip r:embed="rId3">
-            <a:extLst>
-              <a:ext uri="{28A0092B-C50C-407E-A947-70E740481C1C}">
-                <a14:useLocalDpi xmlns:a14="http://schemas.microsoft.com/office/drawing/2010/main" val="0"/>
-              </a:ext>
-            </a:extLst>
-          </a:blip>
-          <a:stretch>
-            <a:fillRect/>
-          </a:stretch>
-        </p:blipFill>
-        <p:spPr>
-          <a:xfrm>
-            <a:off x="715123" y="1296954"/>
-            <a:ext cx="10658893" cy="5255382"/>
-          </a:xfrm>
-          <a:prstGeom prst="rect">
-            <a:avLst/>
-          </a:prstGeom>
-        </p:spPr>
-      </p:pic>
-    </p:spTree>
-    <p:extLst>
-      <p:ext uri="{BB962C8B-B14F-4D97-AF65-F5344CB8AC3E}">
-        <p14:creationId xmlns:p14="http://schemas.microsoft.com/office/powerpoint/2010/main" val="2198900905"/>
-      </p:ext>
-    </p:extLst>
-  </p:cSld>
-  <p:clrMapOvr>
-    <a:masterClrMapping/>
-  </p:clrMapOvr>
-</p:sld>
-</file>
-
-<file path=ppt/slides/slide7.xml><?xml version="1.0" encoding="utf-8"?>
-<p:sld xmlns:a="http://schemas.openxmlformats.org/drawingml/2006/main" xmlns:r="http://schemas.openxmlformats.org/officeDocument/2006/relationships" xmlns:p="http://schemas.openxmlformats.org/presentationml/2006/main">
-  <p:cSld>
-    <p:spTree>
-      <p:nvGrpSpPr>
-        <p:cNvPr id="1" name=""/>
-        <p:cNvGrpSpPr/>
-        <p:nvPr/>
-      </p:nvGrpSpPr>
-      <p:grpSpPr>
-        <a:xfrm>
-          <a:off x="0" y="0"/>
-          <a:ext cx="0" cy="0"/>
-          <a:chOff x="0" y="0"/>
-          <a:chExt cx="0" cy="0"/>
-        </a:xfrm>
-      </p:grpSpPr>
-      <p:sp>
-        <p:nvSpPr>
-          <p:cNvPr id="2" name="Title 1"/>
-          <p:cNvSpPr>
-            <a:spLocks noGrp="1"/>
-          </p:cNvSpPr>
-          <p:nvPr>
-            <p:ph type="title"/>
-          </p:nvPr>
-        </p:nvSpPr>
-        <p:spPr/>
-        <p:txBody>
-          <a:bodyPr/>
-          <a:lstStyle/>
-          <a:p>
-            <a:r>
-              <a:rPr lang="en-US" dirty="0"/>
-              <a:t>Explanation of Code</a:t>
-            </a:r>
-          </a:p>
-        </p:txBody>
-      </p:sp>
-      <p:sp>
-        <p:nvSpPr>
-          <p:cNvPr id="3" name="Content Placeholder 2"/>
-          <p:cNvSpPr>
-            <a:spLocks noGrp="1"/>
-          </p:cNvSpPr>
-          <p:nvPr>
-            <p:ph idx="1"/>
-          </p:nvPr>
-        </p:nvSpPr>
-        <p:spPr/>
-        <p:txBody>
-          <a:bodyPr>
-            <a:normAutofit fontScale="92500"/>
-          </a:bodyPr>
-          <a:lstStyle/>
-          <a:p>
-            <a:r>
-              <a:rPr lang="en-US" sz="2800" dirty="0"/>
-              <a:t>Had to read in every picture’s exposure and brightness count, and devised a way to linearize the pictures to correct them through an equation.</a:t>
-            </a:r>
-          </a:p>
-          <a:p>
-            <a:pPr marL="0" indent="0">
-              <a:buNone/>
-            </a:pPr>
-            <a:endParaRPr lang="en-US" sz="2800" dirty="0"/>
-          </a:p>
-          <a:p>
-            <a:r>
-              <a:rPr lang="en-US" sz="2800" dirty="0"/>
-              <a:t>Tested second, third, and fourth order equations to see which fit the data the most</a:t>
-            </a:r>
-          </a:p>
-          <a:p>
-            <a:endParaRPr lang="en-US" sz="2800" dirty="0"/>
-          </a:p>
-          <a:p>
-            <a:r>
-              <a:rPr lang="en-US" sz="2800" dirty="0"/>
-              <a:t>Devised error plots as well to view where fits diverged</a:t>
-            </a:r>
-          </a:p>
-        </p:txBody>
-      </p:sp>
-      <p:pic>
-        <p:nvPicPr>
-          <p:cNvPr id="4" name="Picture 3"/>
-          <p:cNvPicPr>
-            <a:picLocks noChangeAspect="1"/>
-          </p:cNvPicPr>
-          <p:nvPr/>
-        </p:nvPicPr>
-        <p:blipFill>
-          <a:blip r:embed="rId2">
             <a:extLst>
               <a:ext uri="{28A0092B-C50C-407E-A947-70E740481C1C}">
                 <a14:useLocalDpi xmlns:a14="http://schemas.microsoft.com/office/drawing/2010/main" val="0"/>
@@ -8016,7 +8479,7 @@
 </p:sld>
 </file>
 
-<file path=ppt/slides/slide8.xml><?xml version="1.0" encoding="utf-8"?>
+<file path=ppt/slides/slide7.xml><?xml version="1.0" encoding="utf-8"?>
 <p:sld xmlns:a="http://schemas.openxmlformats.org/drawingml/2006/main" xmlns:r="http://schemas.openxmlformats.org/officeDocument/2006/relationships" xmlns:p="http://schemas.openxmlformats.org/presentationml/2006/main">
   <p:cSld>
     <p:spTree>
@@ -8106,7 +8569,7 @@
           <p:nvPr/>
         </p:nvPicPr>
         <p:blipFill>
-          <a:blip r:embed="rId2">
+          <a:blip r:embed="rId3">
             <a:extLst>
               <a:ext uri="{28A0092B-C50C-407E-A947-70E740481C1C}">
                 <a14:useLocalDpi xmlns:a14="http://schemas.microsoft.com/office/drawing/2010/main" val="0"/>
@@ -8140,7 +8603,7 @@
 </p:sld>
 </file>
 
-<file path=ppt/slides/slide9.xml><?xml version="1.0" encoding="utf-8"?>
+<file path=ppt/slides/slide8.xml><?xml version="1.0" encoding="utf-8"?>
 <p:sld xmlns:a="http://schemas.openxmlformats.org/drawingml/2006/main" xmlns:r="http://schemas.openxmlformats.org/officeDocument/2006/relationships" xmlns:p="http://schemas.openxmlformats.org/presentationml/2006/main">
   <p:cSld>
     <p:spTree>
@@ -8174,8 +8637,13 @@
           <a:p>
             <a:r>
               <a:rPr lang="en-US" dirty="0"/>
-              <a:t>Corrected Data</a:t>
-            </a:r>
+              <a:t>Corrected Data </a:t>
+            </a:r>
+            <a:r>
+              <a:rPr lang="en-US" dirty="0" err="1"/>
+              <a:t>Vizualization</a:t>
+            </a:r>
+            <a:endParaRPr lang="en-US" dirty="0"/>
           </a:p>
         </p:txBody>
       </p:sp>
@@ -8188,7 +8656,7 @@
           <p:nvPr/>
         </p:nvPicPr>
         <p:blipFill>
-          <a:blip r:embed="rId2">
+          <a:blip r:embed="rId3">
             <a:extLst>
               <a:ext uri="{28A0092B-C50C-407E-A947-70E740481C1C}">
                 <a14:useLocalDpi xmlns:a14="http://schemas.microsoft.com/office/drawing/2010/main" val="0"/>
@@ -8218,36 +8686,6 @@
           <p:nvPr/>
         </p:nvPicPr>
         <p:blipFill>
-          <a:blip r:embed="rId3">
-            <a:extLst>
-              <a:ext uri="{28A0092B-C50C-407E-A947-70E740481C1C}">
-                <a14:useLocalDpi xmlns:a14="http://schemas.microsoft.com/office/drawing/2010/main" val="0"/>
-              </a:ext>
-            </a:extLst>
-          </a:blip>
-          <a:stretch>
-            <a:fillRect/>
-          </a:stretch>
-        </p:blipFill>
-        <p:spPr>
-          <a:xfrm>
-            <a:off x="6818929" y="1362270"/>
-            <a:ext cx="3407422" cy="2534270"/>
-          </a:xfrm>
-          <a:prstGeom prst="rect">
-            <a:avLst/>
-          </a:prstGeom>
-        </p:spPr>
-      </p:pic>
-      <p:pic>
-        <p:nvPicPr>
-          <p:cNvPr id="8" name="Picture 7"/>
-          <p:cNvPicPr>
-            <a:picLocks noChangeAspect="1"/>
-          </p:cNvPicPr>
-          <p:nvPr/>
-        </p:nvPicPr>
-        <p:blipFill>
           <a:blip r:embed="rId4">
             <a:extLst>
               <a:ext uri="{28A0092B-C50C-407E-A947-70E740481C1C}">
@@ -8261,8 +8699,8 @@
         </p:blipFill>
         <p:spPr>
           <a:xfrm>
-            <a:off x="1538472" y="1676905"/>
-            <a:ext cx="3810000" cy="1905000"/>
+            <a:off x="1285876" y="1362270"/>
+            <a:ext cx="3407422" cy="2534270"/>
           </a:xfrm>
           <a:prstGeom prst="rect">
             <a:avLst/>
@@ -8271,7 +8709,7 @@
       </p:pic>
       <p:pic>
         <p:nvPicPr>
-          <p:cNvPr id="10" name="Picture 9"/>
+          <p:cNvPr id="8" name="Picture 7"/>
           <p:cNvPicPr>
             <a:picLocks noChangeAspect="1"/>
           </p:cNvPicPr>
@@ -8291,7 +8729,7 @@
         </p:blipFill>
         <p:spPr>
           <a:xfrm>
-            <a:off x="1538472" y="4413711"/>
+            <a:off x="7164832" y="1676904"/>
             <a:ext cx="3810000" cy="1905000"/>
           </a:xfrm>
           <a:prstGeom prst="rect">
@@ -8301,7 +8739,7 @@
       </p:pic>
       <p:pic>
         <p:nvPicPr>
-          <p:cNvPr id="12" name="Picture 11"/>
+          <p:cNvPr id="10" name="Picture 9"/>
           <p:cNvPicPr>
             <a:picLocks noChangeAspect="1"/>
           </p:cNvPicPr>
@@ -8321,7 +8759,37 @@
         </p:blipFill>
         <p:spPr>
           <a:xfrm>
-            <a:off x="6818929" y="4100743"/>
+            <a:off x="7164832" y="4415377"/>
+            <a:ext cx="3810000" cy="1905000"/>
+          </a:xfrm>
+          <a:prstGeom prst="rect">
+            <a:avLst/>
+          </a:prstGeom>
+        </p:spPr>
+      </p:pic>
+      <p:pic>
+        <p:nvPicPr>
+          <p:cNvPr id="12" name="Picture 11"/>
+          <p:cNvPicPr>
+            <a:picLocks noChangeAspect="1"/>
+          </p:cNvPicPr>
+          <p:nvPr/>
+        </p:nvPicPr>
+        <p:blipFill>
+          <a:blip r:embed="rId7">
+            <a:extLst>
+              <a:ext uri="{28A0092B-C50C-407E-A947-70E740481C1C}">
+                <a14:useLocalDpi xmlns:a14="http://schemas.microsoft.com/office/drawing/2010/main" val="0"/>
+              </a:ext>
+            </a:extLst>
+          </a:blip>
+          <a:stretch>
+            <a:fillRect/>
+          </a:stretch>
+        </p:blipFill>
+        <p:spPr>
+          <a:xfrm>
+            <a:off x="1285876" y="4100743"/>
             <a:ext cx="3407422" cy="2534270"/>
           </a:xfrm>
           <a:prstGeom prst="rect">
@@ -8337,7 +8805,7 @@
         </p:nvSpPr>
         <p:spPr>
           <a:xfrm>
-            <a:off x="122920" y="2454221"/>
+            <a:off x="5749278" y="2398572"/>
             <a:ext cx="1595535" cy="461665"/>
           </a:xfrm>
           <a:prstGeom prst="rect">
@@ -8366,7 +8834,7 @@
         </p:nvSpPr>
         <p:spPr>
           <a:xfrm>
-            <a:off x="131172" y="5135378"/>
+            <a:off x="5749279" y="5137045"/>
             <a:ext cx="1595535" cy="461665"/>
           </a:xfrm>
           <a:prstGeom prst="rect">
@@ -8391,6 +8859,130 @@
     <p:extLst>
       <p:ext uri="{BB962C8B-B14F-4D97-AF65-F5344CB8AC3E}">
         <p14:creationId xmlns:p14="http://schemas.microsoft.com/office/powerpoint/2010/main" val="389868815"/>
+      </p:ext>
+    </p:extLst>
+  </p:cSld>
+  <p:clrMapOvr>
+    <a:masterClrMapping/>
+  </p:clrMapOvr>
+</p:sld>
+</file>
+
+<file path=ppt/slides/slide9.xml><?xml version="1.0" encoding="utf-8"?>
+<p:sld xmlns:a="http://schemas.openxmlformats.org/drawingml/2006/main" xmlns:r="http://schemas.openxmlformats.org/officeDocument/2006/relationships" xmlns:p="http://schemas.openxmlformats.org/presentationml/2006/main">
+  <p:cSld>
+    <p:spTree>
+      <p:nvGrpSpPr>
+        <p:cNvPr id="1" name=""/>
+        <p:cNvGrpSpPr/>
+        <p:nvPr/>
+      </p:nvGrpSpPr>
+      <p:grpSpPr>
+        <a:xfrm>
+          <a:off x="0" y="0"/>
+          <a:ext cx="0" cy="0"/>
+          <a:chOff x="0" y="0"/>
+          <a:chExt cx="0" cy="0"/>
+        </a:xfrm>
+      </p:grpSpPr>
+      <p:sp>
+        <p:nvSpPr>
+          <p:cNvPr id="2" name="Title 1"/>
+          <p:cNvSpPr>
+            <a:spLocks noGrp="1"/>
+          </p:cNvSpPr>
+          <p:nvPr>
+            <p:ph type="title"/>
+          </p:nvPr>
+        </p:nvSpPr>
+        <p:spPr/>
+        <p:txBody>
+          <a:bodyPr/>
+          <a:lstStyle/>
+          <a:p>
+            <a:r>
+              <a:rPr lang="en-US" dirty="0"/>
+              <a:t>Impact on Modern Astronomy</a:t>
+            </a:r>
+          </a:p>
+        </p:txBody>
+      </p:sp>
+      <p:sp>
+        <p:nvSpPr>
+          <p:cNvPr id="3" name="Content Placeholder 2"/>
+          <p:cNvSpPr>
+            <a:spLocks noGrp="1"/>
+          </p:cNvSpPr>
+          <p:nvPr>
+            <p:ph idx="1"/>
+          </p:nvPr>
+        </p:nvSpPr>
+        <p:spPr/>
+        <p:txBody>
+          <a:bodyPr>
+            <a:normAutofit/>
+          </a:bodyPr>
+          <a:lstStyle/>
+          <a:p>
+            <a:r>
+              <a:rPr lang="en-US" sz="2800" dirty="0"/>
+              <a:t>Extrasolar planets are approximately 4 counts.</a:t>
+            </a:r>
+          </a:p>
+          <a:p>
+            <a:endParaRPr lang="en-US" sz="2800" dirty="0"/>
+          </a:p>
+          <a:p>
+            <a:r>
+              <a:rPr lang="en-US" sz="2800" dirty="0"/>
+              <a:t>Can accurately measure the brightness of planets and stars with calibrated data</a:t>
+            </a:r>
+          </a:p>
+          <a:p>
+            <a:endParaRPr lang="en-US" sz="2800" dirty="0"/>
+          </a:p>
+          <a:p>
+            <a:r>
+              <a:rPr lang="en-US" sz="2800" dirty="0"/>
+              <a:t>Leads to energy measurements through luminosity, distance, habitable planets.</a:t>
+            </a:r>
+          </a:p>
+        </p:txBody>
+      </p:sp>
+      <p:pic>
+        <p:nvPicPr>
+          <p:cNvPr id="4" name="Picture 3"/>
+          <p:cNvPicPr>
+            <a:picLocks noChangeAspect="1"/>
+          </p:cNvPicPr>
+          <p:nvPr/>
+        </p:nvPicPr>
+        <p:blipFill>
+          <a:blip r:embed="rId3">
+            <a:extLst>
+              <a:ext uri="{28A0092B-C50C-407E-A947-70E740481C1C}">
+                <a14:useLocalDpi xmlns:a14="http://schemas.microsoft.com/office/drawing/2010/main" val="0"/>
+              </a:ext>
+            </a:extLst>
+          </a:blip>
+          <a:stretch>
+            <a:fillRect/>
+          </a:stretch>
+        </p:blipFill>
+        <p:spPr>
+          <a:xfrm>
+            <a:off x="11440502" y="5867950"/>
+            <a:ext cx="675298" cy="901523"/>
+          </a:xfrm>
+          <a:prstGeom prst="rect">
+            <a:avLst/>
+          </a:prstGeom>
+        </p:spPr>
+      </p:pic>
+    </p:spTree>
+    <p:extLst>
+      <p:ext uri="{BB962C8B-B14F-4D97-AF65-F5344CB8AC3E}">
+        <p14:creationId xmlns:p14="http://schemas.microsoft.com/office/powerpoint/2010/main" val="3219462819"/>
       </p:ext>
     </p:extLst>
   </p:cSld>

--- a/notes/symposium_presentation.pptx
+++ b/notes/symposium_presentation.pptx
@@ -1634,10 +1634,9 @@
           </a:lstStyle>
           <a:p>
             <a:r>
-              <a:rPr lang="en-US"/>
+              <a:rPr lang="en-US" dirty="0"/>
               <a:t>Click icon to add picture</a:t>
             </a:r>
-            <a:endParaRPr lang="en-US" dirty="0"/>
           </a:p>
         </p:txBody>
       </p:sp>
@@ -3407,10 +3406,9 @@
           </a:lstStyle>
           <a:p>
             <a:r>
-              <a:rPr lang="en-US"/>
+              <a:rPr lang="en-US" dirty="0"/>
               <a:t>Click icon to add picture</a:t>
             </a:r>
-            <a:endParaRPr lang="en-US" dirty="0"/>
           </a:p>
         </p:txBody>
       </p:sp>
@@ -3627,10 +3625,9 @@
           </a:lstStyle>
           <a:p>
             <a:r>
-              <a:rPr lang="en-US"/>
+              <a:rPr lang="en-US" dirty="0"/>
               <a:t>Click icon to add picture</a:t>
             </a:r>
-            <a:endParaRPr lang="en-US" dirty="0"/>
           </a:p>
         </p:txBody>
       </p:sp>
@@ -3847,10 +3844,9 @@
           </a:lstStyle>
           <a:p>
             <a:r>
-              <a:rPr lang="en-US"/>
+              <a:rPr lang="en-US" dirty="0"/>
               <a:t>Click icon to add picture</a:t>
             </a:r>
-            <a:endParaRPr lang="en-US" dirty="0"/>
           </a:p>
         </p:txBody>
       </p:sp>
@@ -6195,10 +6191,9 @@
           </a:lstStyle>
           <a:p>
             <a:r>
-              <a:rPr lang="en-US"/>
+              <a:rPr lang="en-US" dirty="0"/>
               <a:t>Click icon to add picture</a:t>
             </a:r>
-            <a:endParaRPr lang="en-US" dirty="0"/>
           </a:p>
         </p:txBody>
       </p:sp>
@@ -7321,7 +7316,7 @@
           <a:p>
             <a:r>
               <a:rPr lang="en-US" sz="2800" dirty="0"/>
-              <a:t>Steward observatory</a:t>
+              <a:t>Steward observatory, UA</a:t>
             </a:r>
           </a:p>
         </p:txBody>
@@ -7350,6 +7345,36 @@
           <a:xfrm>
             <a:off x="8670925" y="1040244"/>
             <a:ext cx="2539682" cy="3390476"/>
+          </a:xfrm>
+          <a:prstGeom prst="rect">
+            <a:avLst/>
+          </a:prstGeom>
+        </p:spPr>
+      </p:pic>
+      <p:pic>
+        <p:nvPicPr>
+          <p:cNvPr id="8" name="Picture 7"/>
+          <p:cNvPicPr>
+            <a:picLocks noChangeAspect="1"/>
+          </p:cNvPicPr>
+          <p:nvPr/>
+        </p:nvPicPr>
+        <p:blipFill>
+          <a:blip r:embed="rId4">
+            <a:extLst>
+              <a:ext uri="{28A0092B-C50C-407E-A947-70E740481C1C}">
+                <a14:useLocalDpi xmlns:a14="http://schemas.microsoft.com/office/drawing/2010/main" val="0"/>
+              </a:ext>
+            </a:extLst>
+          </a:blip>
+          <a:stretch>
+            <a:fillRect/>
+          </a:stretch>
+        </p:blipFill>
+        <p:spPr>
+          <a:xfrm>
+            <a:off x="9099606" y="4534035"/>
+            <a:ext cx="1682320" cy="1515072"/>
           </a:xfrm>
           <a:prstGeom prst="rect">
             <a:avLst/>
@@ -7647,7 +7672,7 @@
           <a:p>
             <a:r>
               <a:rPr lang="en-US" sz="2800" dirty="0"/>
-              <a:t>Adaptive optics correct for disturbances of the atmosphere in astronomical picture taking.</a:t>
+              <a:t>Adaptive optics correct for disturbances of the atmosphere in astronomical image taking.</a:t>
             </a:r>
           </a:p>
           <a:p>
@@ -7668,7 +7693,7 @@
           <a:p>
             <a:r>
               <a:rPr lang="en-US" sz="2800" dirty="0"/>
-              <a:t>Using Python, I got to calibrate the pictures taken</a:t>
+              <a:t>Using Python, I got to calibrate the images taken</a:t>
             </a:r>
           </a:p>
         </p:txBody>
@@ -7820,14 +7845,14 @@
           </a:ln>
           <a:extLst>
             <a:ext uri="{909E8E84-426E-40dd-AFC4-6F175D3DCCD1}">
-              <a14:hiddenFill xmlns="" xmlns:a14="http://schemas.microsoft.com/office/drawing/2010/main">
+              <a14:hiddenFill xmlns:a14="http://schemas.microsoft.com/office/drawing/2010/main" xmlns="">
                 <a:solidFill>
                   <a:srgbClr val="FFFFFF"/>
                 </a:solidFill>
               </a14:hiddenFill>
             </a:ext>
             <a:ext uri="{91240B29-F687-4f45-9708-019B960494DF}">
-              <a14:hiddenLine xmlns="" xmlns:a14="http://schemas.microsoft.com/office/drawing/2010/main" w="9525">
+              <a14:hiddenLine xmlns:a14="http://schemas.microsoft.com/office/drawing/2010/main" xmlns="" w="9525">
                 <a:solidFill>
                   <a:srgbClr val="000000"/>
                 </a:solidFill>
@@ -7861,14 +7886,14 @@
           </a:ln>
           <a:extLst>
             <a:ext uri="{909E8E84-426E-40dd-AFC4-6F175D3DCCD1}">
-              <a14:hiddenFill xmlns="" xmlns:a14="http://schemas.microsoft.com/office/drawing/2010/main">
+              <a14:hiddenFill xmlns:a14="http://schemas.microsoft.com/office/drawing/2010/main" xmlns="">
                 <a:solidFill>
                   <a:srgbClr val="FFFFFF"/>
                 </a:solidFill>
               </a14:hiddenFill>
             </a:ext>
             <a:ext uri="{91240B29-F687-4f45-9708-019B960494DF}">
-              <a14:hiddenLine xmlns="" xmlns:a14="http://schemas.microsoft.com/office/drawing/2010/main" w="9525">
+              <a14:hiddenLine xmlns:a14="http://schemas.microsoft.com/office/drawing/2010/main" xmlns="" w="9525">
                 <a:solidFill>
                   <a:srgbClr val="000000"/>
                 </a:solidFill>
@@ -8257,7 +8282,12 @@
             <p:ph idx="1"/>
           </p:nvPr>
         </p:nvSpPr>
-        <p:spPr/>
+        <p:spPr>
+          <a:xfrm>
+            <a:off x="1103312" y="2052918"/>
+            <a:ext cx="6055369" cy="4805082"/>
+          </a:xfrm>
+        </p:spPr>
         <p:txBody>
           <a:bodyPr>
             <a:noAutofit/>
@@ -8279,13 +8309,6 @@
             <a:r>
               <a:rPr lang="en-US" sz="2800" dirty="0"/>
               <a:t>Linearity?</a:t>
-            </a:r>
-          </a:p>
-          <a:p>
-            <a:pPr lvl="1"/>
-            <a:r>
-              <a:rPr lang="en-US" sz="2400" dirty="0"/>
-              <a:t>A linear detector will record 2x the counts with a star 2x as bright or when you integrate for 2x as long</a:t>
             </a:r>
           </a:p>
           <a:p>
@@ -8333,6 +8356,36 @@
           <a:xfrm>
             <a:off x="11440502" y="5867950"/>
             <a:ext cx="675298" cy="901523"/>
+          </a:xfrm>
+          <a:prstGeom prst="rect">
+            <a:avLst/>
+          </a:prstGeom>
+        </p:spPr>
+      </p:pic>
+      <p:pic>
+        <p:nvPicPr>
+          <p:cNvPr id="6" name="Picture 5"/>
+          <p:cNvPicPr>
+            <a:picLocks noChangeAspect="1"/>
+          </p:cNvPicPr>
+          <p:nvPr/>
+        </p:nvPicPr>
+        <p:blipFill>
+          <a:blip r:embed="rId4">
+            <a:extLst>
+              <a:ext uri="{28A0092B-C50C-407E-A947-70E740481C1C}">
+                <a14:useLocalDpi xmlns:a14="http://schemas.microsoft.com/office/drawing/2010/main" val="0"/>
+              </a:ext>
+            </a:extLst>
+          </a:blip>
+          <a:stretch>
+            <a:fillRect/>
+          </a:stretch>
+        </p:blipFill>
+        <p:spPr>
+          <a:xfrm>
+            <a:off x="7430529" y="2770561"/>
+            <a:ext cx="4530818" cy="3369796"/>
           </a:xfrm>
           <a:prstGeom prst="rect">
             <a:avLst/>
@@ -8410,7 +8463,7 @@
           <a:p>
             <a:r>
               <a:rPr lang="en-US" sz="2800" dirty="0"/>
-              <a:t>Had to read in every picture’s exposure and brightness count, and devised a way to linearize the pictures to correct them through an equation.</a:t>
+              <a:t>Had to read in every image’s exposure and brightness count, and devised a way to linearize the images to correct them through an equation.</a:t>
             </a:r>
           </a:p>
           <a:p>
@@ -8637,13 +8690,8 @@
           <a:p>
             <a:r>
               <a:rPr lang="en-US" dirty="0"/>
-              <a:t>Corrected Data </a:t>
-            </a:r>
-            <a:r>
-              <a:rPr lang="en-US" dirty="0" err="1"/>
-              <a:t>Vizualization</a:t>
-            </a:r>
-            <a:endParaRPr lang="en-US" dirty="0"/>
+              <a:t>Corrected Data Visualization</a:t>
+            </a:r>
           </a:p>
         </p:txBody>
       </p:sp>
@@ -8679,7 +8727,7 @@
       </p:pic>
       <p:pic>
         <p:nvPicPr>
-          <p:cNvPr id="6" name="Picture 5"/>
+          <p:cNvPr id="8" name="Picture 7"/>
           <p:cNvPicPr>
             <a:picLocks noChangeAspect="1"/>
           </p:cNvPicPr>
@@ -8687,36 +8735,6 @@
         </p:nvPicPr>
         <p:blipFill>
           <a:blip r:embed="rId4">
-            <a:extLst>
-              <a:ext uri="{28A0092B-C50C-407E-A947-70E740481C1C}">
-                <a14:useLocalDpi xmlns:a14="http://schemas.microsoft.com/office/drawing/2010/main" val="0"/>
-              </a:ext>
-            </a:extLst>
-          </a:blip>
-          <a:stretch>
-            <a:fillRect/>
-          </a:stretch>
-        </p:blipFill>
-        <p:spPr>
-          <a:xfrm>
-            <a:off x="1285876" y="1362270"/>
-            <a:ext cx="3407422" cy="2534270"/>
-          </a:xfrm>
-          <a:prstGeom prst="rect">
-            <a:avLst/>
-          </a:prstGeom>
-        </p:spPr>
-      </p:pic>
-      <p:pic>
-        <p:nvPicPr>
-          <p:cNvPr id="8" name="Picture 7"/>
-          <p:cNvPicPr>
-            <a:picLocks noChangeAspect="1"/>
-          </p:cNvPicPr>
-          <p:nvPr/>
-        </p:nvPicPr>
-        <p:blipFill>
-          <a:blip r:embed="rId5">
             <a:extLst>
               <a:ext uri="{28A0092B-C50C-407E-A947-70E740481C1C}">
                 <a14:useLocalDpi xmlns:a14="http://schemas.microsoft.com/office/drawing/2010/main" val="0"/>
@@ -8746,7 +8764,7 @@
           <p:nvPr/>
         </p:nvPicPr>
         <p:blipFill>
-          <a:blip r:embed="rId6">
+          <a:blip r:embed="rId5">
             <a:extLst>
               <a:ext uri="{28A0092B-C50C-407E-A947-70E740481C1C}">
                 <a14:useLocalDpi xmlns:a14="http://schemas.microsoft.com/office/drawing/2010/main" val="0"/>
@@ -8776,7 +8794,7 @@
           <p:nvPr/>
         </p:nvPicPr>
         <p:blipFill>
-          <a:blip r:embed="rId7">
+          <a:blip r:embed="rId6">
             <a:extLst>
               <a:ext uri="{28A0092B-C50C-407E-A947-70E740481C1C}">
                 <a14:useLocalDpi xmlns:a14="http://schemas.microsoft.com/office/drawing/2010/main" val="0"/>
@@ -8789,8 +8807,8 @@
         </p:blipFill>
         <p:spPr>
           <a:xfrm>
-            <a:off x="1285876" y="4100743"/>
-            <a:ext cx="3407422" cy="2534270"/>
+            <a:off x="569128" y="2275002"/>
+            <a:ext cx="4805189" cy="3573860"/>
           </a:xfrm>
           <a:prstGeom prst="rect">
             <a:avLst/>
@@ -8926,7 +8944,7 @@
           <a:p>
             <a:r>
               <a:rPr lang="en-US" sz="2800" dirty="0"/>
-              <a:t>Extrasolar planets are approximately 4 counts.</a:t>
+              <a:t>Exoplanets have be found through linearization due to irregular counts</a:t>
             </a:r>
           </a:p>
           <a:p>

--- a/notes/symposium_presentation.pptx
+++ b/notes/symposium_presentation.pptx
@@ -207,7 +207,7 @@
           <a:p>
             <a:fld id="{883FA1FC-07BF-4C5A-B004-FC8E020E1387}" type="datetimeFigureOut">
               <a:rPr lang="en-US" smtClean="0"/>
-              <a:t>3/22/2017</a:t>
+              <a:t>3/23/2017</a:t>
             </a:fld>
             <a:endParaRPr lang="en-US"/>
           </a:p>
@@ -1450,7 +1450,7 @@
           <a:p>
             <a:fld id="{8BABCBE6-3ACD-49C5-A379-1EDE82F1D024}" type="datetimeFigureOut">
               <a:rPr lang="en-US" smtClean="0"/>
-              <a:t>3/22/2017</a:t>
+              <a:t>3/23/2017</a:t>
             </a:fld>
             <a:endParaRPr lang="en-US"/>
           </a:p>
@@ -1724,7 +1724,7 @@
           <a:p>
             <a:fld id="{8BABCBE6-3ACD-49C5-A379-1EDE82F1D024}" type="datetimeFigureOut">
               <a:rPr lang="en-US" smtClean="0"/>
-              <a:t>3/22/2017</a:t>
+              <a:t>3/23/2017</a:t>
             </a:fld>
             <a:endParaRPr lang="en-US"/>
           </a:p>
@@ -1918,7 +1918,7 @@
           <a:p>
             <a:fld id="{8BABCBE6-3ACD-49C5-A379-1EDE82F1D024}" type="datetimeFigureOut">
               <a:rPr lang="en-US" smtClean="0"/>
-              <a:t>3/22/2017</a:t>
+              <a:t>3/23/2017</a:t>
             </a:fld>
             <a:endParaRPr lang="en-US"/>
           </a:p>
@@ -2191,7 +2191,7 @@
           <a:p>
             <a:fld id="{8BABCBE6-3ACD-49C5-A379-1EDE82F1D024}" type="datetimeFigureOut">
               <a:rPr lang="en-US" smtClean="0"/>
-              <a:t>3/22/2017</a:t>
+              <a:t>3/23/2017</a:t>
             </a:fld>
             <a:endParaRPr lang="en-US"/>
           </a:p>
@@ -2532,7 +2532,7 @@
           <a:p>
             <a:fld id="{8BABCBE6-3ACD-49C5-A379-1EDE82F1D024}" type="datetimeFigureOut">
               <a:rPr lang="en-US" smtClean="0"/>
-              <a:t>3/22/2017</a:t>
+              <a:t>3/23/2017</a:t>
             </a:fld>
             <a:endParaRPr lang="en-US"/>
           </a:p>
@@ -3155,7 +3155,7 @@
           <a:p>
             <a:fld id="{8BABCBE6-3ACD-49C5-A379-1EDE82F1D024}" type="datetimeFigureOut">
               <a:rPr lang="en-US" smtClean="0"/>
-              <a:t>3/22/2017</a:t>
+              <a:t>3/23/2017</a:t>
             </a:fld>
             <a:endParaRPr lang="en-US"/>
           </a:p>
@@ -4012,7 +4012,7 @@
           <a:p>
             <a:fld id="{8BABCBE6-3ACD-49C5-A379-1EDE82F1D024}" type="datetimeFigureOut">
               <a:rPr lang="en-US" smtClean="0"/>
-              <a:t>3/22/2017</a:t>
+              <a:t>3/23/2017</a:t>
             </a:fld>
             <a:endParaRPr lang="en-US"/>
           </a:p>
@@ -4182,7 +4182,7 @@
           <a:p>
             <a:fld id="{8BABCBE6-3ACD-49C5-A379-1EDE82F1D024}" type="datetimeFigureOut">
               <a:rPr lang="en-US" smtClean="0"/>
-              <a:t>3/22/2017</a:t>
+              <a:t>3/23/2017</a:t>
             </a:fld>
             <a:endParaRPr lang="en-US"/>
           </a:p>
@@ -4362,7 +4362,7 @@
           <a:p>
             <a:fld id="{8BABCBE6-3ACD-49C5-A379-1EDE82F1D024}" type="datetimeFigureOut">
               <a:rPr lang="en-US" smtClean="0"/>
-              <a:t>3/22/2017</a:t>
+              <a:t>3/23/2017</a:t>
             </a:fld>
             <a:endParaRPr lang="en-US"/>
           </a:p>
@@ -4532,7 +4532,7 @@
           <a:p>
             <a:fld id="{8BABCBE6-3ACD-49C5-A379-1EDE82F1D024}" type="datetimeFigureOut">
               <a:rPr lang="en-US" smtClean="0"/>
-              <a:t>3/22/2017</a:t>
+              <a:t>3/23/2017</a:t>
             </a:fld>
             <a:endParaRPr lang="en-US"/>
           </a:p>
@@ -4779,7 +4779,7 @@
           <a:p>
             <a:fld id="{8BABCBE6-3ACD-49C5-A379-1EDE82F1D024}" type="datetimeFigureOut">
               <a:rPr lang="en-US" smtClean="0"/>
-              <a:t>3/22/2017</a:t>
+              <a:t>3/23/2017</a:t>
             </a:fld>
             <a:endParaRPr lang="en-US"/>
           </a:p>
@@ -5071,7 +5071,7 @@
           <a:p>
             <a:fld id="{8BABCBE6-3ACD-49C5-A379-1EDE82F1D024}" type="datetimeFigureOut">
               <a:rPr lang="en-US" smtClean="0"/>
-              <a:t>3/22/2017</a:t>
+              <a:t>3/23/2017</a:t>
             </a:fld>
             <a:endParaRPr lang="en-US"/>
           </a:p>
@@ -5515,7 +5515,7 @@
           <a:p>
             <a:fld id="{8BABCBE6-3ACD-49C5-A379-1EDE82F1D024}" type="datetimeFigureOut">
               <a:rPr lang="en-US" smtClean="0"/>
-              <a:t>3/22/2017</a:t>
+              <a:t>3/23/2017</a:t>
             </a:fld>
             <a:endParaRPr lang="en-US"/>
           </a:p>
@@ -5633,7 +5633,7 @@
           <a:p>
             <a:fld id="{8BABCBE6-3ACD-49C5-A379-1EDE82F1D024}" type="datetimeFigureOut">
               <a:rPr lang="en-US" smtClean="0"/>
-              <a:t>3/22/2017</a:t>
+              <a:t>3/23/2017</a:t>
             </a:fld>
             <a:endParaRPr lang="en-US"/>
           </a:p>
@@ -5728,7 +5728,7 @@
           <a:p>
             <a:fld id="{8BABCBE6-3ACD-49C5-A379-1EDE82F1D024}" type="datetimeFigureOut">
               <a:rPr lang="en-US" smtClean="0"/>
-              <a:t>3/22/2017</a:t>
+              <a:t>3/23/2017</a:t>
             </a:fld>
             <a:endParaRPr lang="en-US"/>
           </a:p>
@@ -6007,7 +6007,7 @@
           <a:p>
             <a:fld id="{8BABCBE6-3ACD-49C5-A379-1EDE82F1D024}" type="datetimeFigureOut">
               <a:rPr lang="en-US" smtClean="0"/>
-              <a:t>3/22/2017</a:t>
+              <a:t>3/23/2017</a:t>
             </a:fld>
             <a:endParaRPr lang="en-US"/>
           </a:p>
@@ -6281,7 +6281,7 @@
           <a:p>
             <a:fld id="{8BABCBE6-3ACD-49C5-A379-1EDE82F1D024}" type="datetimeFigureOut">
               <a:rPr lang="en-US" smtClean="0"/>
-              <a:t>3/22/2017</a:t>
+              <a:t>3/23/2017</a:t>
             </a:fld>
             <a:endParaRPr lang="en-US"/>
           </a:p>
@@ -6710,7 +6710,7 @@
           <a:p>
             <a:fld id="{8BABCBE6-3ACD-49C5-A379-1EDE82F1D024}" type="datetimeFigureOut">
               <a:rPr lang="en-US" smtClean="0"/>
-              <a:t>3/22/2017</a:t>
+              <a:t>3/23/2017</a:t>
             </a:fld>
             <a:endParaRPr lang="en-US"/>
           </a:p>
@@ -7250,8 +7250,8 @@
         </p:nvSpPr>
         <p:spPr>
           <a:xfrm>
-            <a:off x="329390" y="1604865"/>
-            <a:ext cx="8825658" cy="2448985"/>
+            <a:off x="329390" y="1696995"/>
+            <a:ext cx="8825658" cy="2356855"/>
           </a:xfrm>
         </p:spPr>
         <p:txBody>
@@ -7259,15 +7259,8 @@
           <a:lstStyle/>
           <a:p>
             <a:r>
-              <a:rPr lang="en-US" dirty="0"/>
-              <a:t>Linearizing the Clio</a:t>
-            </a:r>
-            <a:br>
-              <a:rPr lang="en-US" dirty="0"/>
-            </a:br>
-            <a:r>
-              <a:rPr lang="en-US" dirty="0"/>
-              <a:t>Detector</a:t>
+              <a:rPr lang="en-US" sz="6600" dirty="0"/>
+              <a:t>Calibrating the infrared camera Clio</a:t>
             </a:r>
             <a:br>
               <a:rPr lang="en-US" dirty="0"/>
@@ -7303,19 +7296,40 @@
           <a:lstStyle/>
           <a:p>
             <a:r>
-              <a:rPr lang="en-US" sz="2800" dirty="0"/>
+              <a:rPr lang="en-US" sz="2800" dirty="0">
+                <a:solidFill>
+                  <a:schemeClr val="bg2">
+                    <a:lumMod val="20000"/>
+                    <a:lumOff val="80000"/>
+                  </a:schemeClr>
+                </a:solidFill>
+              </a:rPr>
               <a:t>By Chris Bohlman</a:t>
             </a:r>
           </a:p>
           <a:p>
             <a:r>
-              <a:rPr lang="en-US" sz="2800" dirty="0"/>
+              <a:rPr lang="en-US" sz="2800" dirty="0">
+                <a:solidFill>
+                  <a:schemeClr val="bg2">
+                    <a:lumMod val="20000"/>
+                    <a:lumOff val="80000"/>
+                  </a:schemeClr>
+                </a:solidFill>
+              </a:rPr>
               <a:t>Mentor: Dr. Katie Morzinski</a:t>
             </a:r>
           </a:p>
           <a:p>
             <a:r>
-              <a:rPr lang="en-US" sz="2800" dirty="0"/>
+              <a:rPr lang="en-US" sz="2800" dirty="0">
+                <a:solidFill>
+                  <a:schemeClr val="bg2">
+                    <a:lumMod val="20000"/>
+                    <a:lumOff val="80000"/>
+                  </a:schemeClr>
+                </a:solidFill>
+              </a:rPr>
               <a:t>Steward observatory, UA</a:t>
             </a:r>
           </a:p>
@@ -7428,15 +7442,7 @@
           <a:p>
             <a:r>
               <a:rPr lang="en-US" dirty="0"/>
-              <a:t>Thank </a:t>
-            </a:r>
-            <a:r>
-              <a:rPr lang="en-US" dirty="0" err="1"/>
-              <a:t>Yous</a:t>
-            </a:r>
-            <a:r>
-              <a:rPr lang="en-US" dirty="0"/>
-              <a:t> and Questions</a:t>
+              <a:t>Acknowledgements and Questions</a:t>
             </a:r>
           </a:p>
         </p:txBody>
@@ -7492,7 +7498,7 @@
           <a:p>
             <a:r>
               <a:rPr lang="en-US" sz="2800" dirty="0"/>
-              <a:t>Susan Brew and the Space Grant program</a:t>
+              <a:t>Susan Brew and the Arizona Space Grant Consortium</a:t>
             </a:r>
           </a:p>
         </p:txBody>
@@ -7845,14 +7851,14 @@
           </a:ln>
           <a:extLst>
             <a:ext uri="{909E8E84-426E-40dd-AFC4-6F175D3DCCD1}">
-              <a14:hiddenFill xmlns:a14="http://schemas.microsoft.com/office/drawing/2010/main" xmlns="">
+              <a14:hiddenFill xmlns="" xmlns:a14="http://schemas.microsoft.com/office/drawing/2010/main">
                 <a:solidFill>
                   <a:srgbClr val="FFFFFF"/>
                 </a:solidFill>
               </a14:hiddenFill>
             </a:ext>
             <a:ext uri="{91240B29-F687-4f45-9708-019B960494DF}">
-              <a14:hiddenLine xmlns:a14="http://schemas.microsoft.com/office/drawing/2010/main" xmlns="" w="9525">
+              <a14:hiddenLine xmlns="" xmlns:a14="http://schemas.microsoft.com/office/drawing/2010/main" w="9525">
                 <a:solidFill>
                   <a:srgbClr val="000000"/>
                 </a:solidFill>
@@ -7886,14 +7892,14 @@
           </a:ln>
           <a:extLst>
             <a:ext uri="{909E8E84-426E-40dd-AFC4-6F175D3DCCD1}">
-              <a14:hiddenFill xmlns:a14="http://schemas.microsoft.com/office/drawing/2010/main" xmlns="">
+              <a14:hiddenFill xmlns="" xmlns:a14="http://schemas.microsoft.com/office/drawing/2010/main">
                 <a:solidFill>
                   <a:srgbClr val="FFFFFF"/>
                 </a:solidFill>
               </a14:hiddenFill>
             </a:ext>
             <a:ext uri="{91240B29-F687-4f45-9708-019B960494DF}">
-              <a14:hiddenLine xmlns:a14="http://schemas.microsoft.com/office/drawing/2010/main" xmlns="" w="9525">
+              <a14:hiddenLine xmlns="" xmlns:a14="http://schemas.microsoft.com/office/drawing/2010/main" w="9525">
                 <a:solidFill>
                   <a:srgbClr val="000000"/>
                 </a:solidFill>
@@ -8137,7 +8143,7 @@
           <a:p>
             <a:r>
               <a:rPr lang="en-US" dirty="0"/>
-              <a:t>How Did I Spend My Year?</a:t>
+              <a:t>Overview of Internship</a:t>
             </a:r>
           </a:p>
         </p:txBody>
@@ -8320,14 +8326,7 @@
           <a:p>
             <a:r>
               <a:rPr lang="en-US" sz="2800" dirty="0"/>
-              <a:t>Python: Coding language</a:t>
-            </a:r>
-          </a:p>
-          <a:p>
-            <a:pPr lvl="1"/>
-            <a:r>
-              <a:rPr lang="en-US" sz="2400" dirty="0"/>
-              <a:t>I used several external packages in python to assist</a:t>
+              <a:t>Python: Coding language of choice</a:t>
             </a:r>
           </a:p>
         </p:txBody>
@@ -8566,7 +8565,7 @@
           <a:p>
             <a:r>
               <a:rPr lang="en-US" dirty="0"/>
-              <a:t>Fruits of My Labor</a:t>
+              <a:t>Results of Correction</a:t>
             </a:r>
           </a:p>
         </p:txBody>
@@ -8807,8 +8806,8 @@
         </p:blipFill>
         <p:spPr>
           <a:xfrm>
-            <a:off x="569128" y="2275002"/>
-            <a:ext cx="4805189" cy="3573860"/>
+            <a:off x="1070586" y="4032481"/>
+            <a:ext cx="3590980" cy="2670792"/>
           </a:xfrm>
           <a:prstGeom prst="rect">
             <a:avLst/>
@@ -8873,6 +8872,36 @@
           </a:p>
         </p:txBody>
       </p:sp>
+      <p:pic>
+        <p:nvPicPr>
+          <p:cNvPr id="5" name="Picture 4"/>
+          <p:cNvPicPr>
+            <a:picLocks noChangeAspect="1"/>
+          </p:cNvPicPr>
+          <p:nvPr/>
+        </p:nvPicPr>
+        <p:blipFill>
+          <a:blip r:embed="rId7">
+            <a:extLst>
+              <a:ext uri="{28A0092B-C50C-407E-A947-70E740481C1C}">
+                <a14:useLocalDpi xmlns:a14="http://schemas.microsoft.com/office/drawing/2010/main" val="0"/>
+              </a:ext>
+            </a:extLst>
+          </a:blip>
+          <a:stretch>
+            <a:fillRect/>
+          </a:stretch>
+        </p:blipFill>
+        <p:spPr>
+          <a:xfrm>
+            <a:off x="1070586" y="1294008"/>
+            <a:ext cx="3590980" cy="2670791"/>
+          </a:xfrm>
+          <a:prstGeom prst="rect">
+            <a:avLst/>
+          </a:prstGeom>
+        </p:spPr>
+      </p:pic>
     </p:spTree>
     <p:extLst>
       <p:ext uri="{BB962C8B-B14F-4D97-AF65-F5344CB8AC3E}">
